--- a/templates/sahajcode-sample.pptx
+++ b/templates/sahajcode-sample.pptx
@@ -6,8 +6,6 @@
   </p:sldMasterIdLst>
   <p:sldIdLst>
     <p:sldId id="256" r:id="rId2"/>
-    <p:sldId id="257" r:id="rId3"/>
-    <p:sldId id="258" r:id="rId4"/>
   </p:sldIdLst>
   <p:sldSz cx="5145088" cy="9144000"/>
   <p:notesSz cx="6858000" cy="9144000"/>
@@ -497,6 +495,1270 @@
 </file>
 
 <file path=ppt/slideLayouts/slideLayout10.xml><?xml version="1.0" encoding="utf-8"?>
+<p:sldLayout xmlns:a="http://schemas.openxmlformats.org/drawingml/2006/main" xmlns:r="http://schemas.openxmlformats.org/officeDocument/2006/relationships" xmlns:p="http://schemas.openxmlformats.org/presentationml/2006/main" type="twoObj" preserve="1">
+  <p:cSld name="1_Two Content">
+    <p:spTree>
+      <p:nvGrpSpPr>
+        <p:cNvPr id="1" name=""/>
+        <p:cNvGrpSpPr/>
+        <p:nvPr/>
+      </p:nvGrpSpPr>
+      <p:grpSpPr>
+        <a:xfrm>
+          <a:off x="0" y="0"/>
+          <a:ext cx="0" cy="0"/>
+          <a:chOff x="0" y="0"/>
+          <a:chExt cx="0" cy="0"/>
+        </a:xfrm>
+      </p:grpSpPr>
+      <p:sp>
+        <p:nvSpPr>
+          <p:cNvPr id="2" name="Title 1"/>
+          <p:cNvSpPr>
+            <a:spLocks noGrp="1"/>
+          </p:cNvSpPr>
+          <p:nvPr>
+            <p:ph type="title"/>
+          </p:nvPr>
+        </p:nvSpPr>
+        <p:spPr/>
+        <p:txBody>
+          <a:bodyPr/>
+          <a:lstStyle/>
+          <a:p>
+            <a:r>
+              <a:rPr lang="en-GB"/>
+              <a:t>Click to edit Master title style</a:t>
+            </a:r>
+            <a:endParaRPr lang="en-US" dirty="0"/>
+          </a:p>
+        </p:txBody>
+      </p:sp>
+      <p:sp>
+        <p:nvSpPr>
+          <p:cNvPr id="6" name="TextBox 5">
+            <a:extLst>
+              <a:ext uri="{FF2B5EF4-FFF2-40B4-BE49-F238E27FC236}">
+                <a16:creationId xmlns:a16="http://schemas.microsoft.com/office/drawing/2014/main" id="{2205A2E2-EFCE-7119-186F-61FFE168D13A}"/>
+              </a:ext>
+            </a:extLst>
+          </p:cNvPr>
+          <p:cNvSpPr txBox="1"/>
+          <p:nvPr userDrawn="1"/>
+        </p:nvSpPr>
+        <p:spPr>
+          <a:xfrm>
+            <a:off x="1730965" y="8588057"/>
+            <a:ext cx="2181600" cy="252000"/>
+          </a:xfrm>
+          <a:prstGeom prst="rect">
+            <a:avLst/>
+          </a:prstGeom>
+          <a:noFill/>
+        </p:spPr>
+        <p:txBody>
+          <a:bodyPr wrap="square" rtlCol="0">
+            <a:spAutoFit/>
+          </a:bodyPr>
+          <a:lstStyle/>
+          <a:p>
+            <a:pPr algn="ctr">
+              <a:tabLst>
+                <a:tab pos="2865755" algn="ctr"/>
+                <a:tab pos="5731510" algn="r"/>
+              </a:tabLst>
+            </a:pPr>
+            <a:r>
+              <a:rPr lang="hi-IN" sz="1000" b="0" i="0" spc="120" baseline="0" dirty="0">
+                <a:solidFill>
+                  <a:schemeClr val="tx2">
+                    <a:lumMod val="90000"/>
+                    <a:lumOff val="10000"/>
+                  </a:schemeClr>
+                </a:solidFill>
+                <a:effectLst/>
+                <a:latin typeface="American Typewriter" panose="02090604020004020304" pitchFamily="18" charset="77"/>
+                <a:ea typeface="Calibri" panose="020F0502020204030204" pitchFamily="34" charset="0"/>
+                <a:cs typeface="Kohinoor Devanagari Light" panose="02000000000000000000" pitchFamily="2" charset="77"/>
+              </a:rPr>
+              <a:t>सहजकोड</a:t>
+            </a:r>
+            <a:r>
+              <a:rPr lang="en-US" sz="1000" b="0" i="0" spc="120" baseline="0" dirty="0">
+                <a:solidFill>
+                  <a:schemeClr val="tx2">
+                    <a:lumMod val="90000"/>
+                    <a:lumOff val="10000"/>
+                  </a:schemeClr>
+                </a:solidFill>
+                <a:effectLst/>
+                <a:latin typeface="American Typewriter" panose="02090604020004020304" pitchFamily="18" charset="77"/>
+                <a:ea typeface="Calibri" panose="020F0502020204030204" pitchFamily="34" charset="0"/>
+                <a:cs typeface="Kohinoor Devanagari Light" panose="02000000000000000000" pitchFamily="2" charset="77"/>
+              </a:rPr>
+              <a:t> </a:t>
+            </a:r>
+            <a:r>
+              <a:rPr lang="en-US" sz="1000" spc="120" baseline="0" dirty="0">
+                <a:solidFill>
+                  <a:schemeClr val="tx2">
+                    <a:lumMod val="90000"/>
+                    <a:lumOff val="10000"/>
+                  </a:schemeClr>
+                </a:solidFill>
+                <a:effectLst/>
+                <a:latin typeface="American Typewriter" panose="02090604020004020304" pitchFamily="18" charset="77"/>
+                <a:ea typeface="Calibri" panose="020F0502020204030204" pitchFamily="34" charset="0"/>
+                <a:cs typeface="Times New Roman" panose="02020603050405020304" pitchFamily="18" charset="0"/>
+              </a:rPr>
+              <a:t>| SAHAJCODE.COM</a:t>
+            </a:r>
+            <a:endParaRPr lang="en-IN" sz="1000" spc="120" baseline="0" dirty="0">
+              <a:solidFill>
+                <a:schemeClr val="tx2">
+                  <a:lumMod val="90000"/>
+                  <a:lumOff val="10000"/>
+                </a:schemeClr>
+              </a:solidFill>
+              <a:effectLst/>
+              <a:latin typeface="American Typewriter" panose="02090604020004020304" pitchFamily="18" charset="77"/>
+              <a:ea typeface="Calibri" panose="020F0502020204030204" pitchFamily="34" charset="0"/>
+              <a:cs typeface="Times New Roman" panose="02020603050405020304" pitchFamily="18" charset="0"/>
+            </a:endParaRPr>
+          </a:p>
+        </p:txBody>
+      </p:sp>
+      <p:sp>
+        <p:nvSpPr>
+          <p:cNvPr id="4" name="Content Placeholder 3"/>
+          <p:cNvSpPr>
+            <a:spLocks noGrp="1"/>
+          </p:cNvSpPr>
+          <p:nvPr>
+            <p:ph sz="half" idx="2"/>
+          </p:nvPr>
+        </p:nvSpPr>
+        <p:spPr>
+          <a:xfrm>
+            <a:off x="2604701" y="1726601"/>
+            <a:ext cx="2186662" cy="6509038"/>
+          </a:xfrm>
+        </p:spPr>
+        <p:txBody>
+          <a:bodyPr/>
+          <a:lstStyle/>
+          <a:p>
+            <a:pPr lvl="0"/>
+            <a:r>
+              <a:rPr lang="en-GB"/>
+              <a:t>Click to edit Master text styles</a:t>
+            </a:r>
+          </a:p>
+          <a:p>
+            <a:pPr lvl="1"/>
+            <a:r>
+              <a:rPr lang="en-GB"/>
+              <a:t>Second level</a:t>
+            </a:r>
+          </a:p>
+          <a:p>
+            <a:pPr lvl="2"/>
+            <a:r>
+              <a:rPr lang="en-GB"/>
+              <a:t>Third level</a:t>
+            </a:r>
+          </a:p>
+          <a:p>
+            <a:pPr lvl="3"/>
+            <a:r>
+              <a:rPr lang="en-GB"/>
+              <a:t>Fourth level</a:t>
+            </a:r>
+          </a:p>
+          <a:p>
+            <a:pPr lvl="4"/>
+            <a:r>
+              <a:rPr lang="en-GB"/>
+              <a:t>Fifth level</a:t>
+            </a:r>
+            <a:endParaRPr lang="en-US" dirty="0"/>
+          </a:p>
+        </p:txBody>
+      </p:sp>
+      <p:sp>
+        <p:nvSpPr>
+          <p:cNvPr id="3" name="Content Placeholder 2"/>
+          <p:cNvSpPr>
+            <a:spLocks noGrp="1"/>
+          </p:cNvSpPr>
+          <p:nvPr>
+            <p:ph sz="half" idx="1"/>
+          </p:nvPr>
+        </p:nvSpPr>
+        <p:spPr>
+          <a:xfrm>
+            <a:off x="353723" y="1726601"/>
+            <a:ext cx="2186662" cy="6509038"/>
+          </a:xfrm>
+        </p:spPr>
+        <p:txBody>
+          <a:bodyPr/>
+          <a:lstStyle/>
+          <a:p>
+            <a:pPr lvl="0"/>
+            <a:r>
+              <a:rPr lang="en-GB"/>
+              <a:t>Click to edit Master text styles</a:t>
+            </a:r>
+          </a:p>
+          <a:p>
+            <a:pPr lvl="1"/>
+            <a:r>
+              <a:rPr lang="en-GB"/>
+              <a:t>Second level</a:t>
+            </a:r>
+          </a:p>
+          <a:p>
+            <a:pPr lvl="2"/>
+            <a:r>
+              <a:rPr lang="en-GB"/>
+              <a:t>Third level</a:t>
+            </a:r>
+          </a:p>
+          <a:p>
+            <a:pPr lvl="3"/>
+            <a:r>
+              <a:rPr lang="en-GB"/>
+              <a:t>Fourth level</a:t>
+            </a:r>
+          </a:p>
+          <a:p>
+            <a:pPr lvl="4"/>
+            <a:r>
+              <a:rPr lang="en-GB"/>
+              <a:t>Fifth level</a:t>
+            </a:r>
+            <a:endParaRPr lang="en-US" dirty="0"/>
+          </a:p>
+        </p:txBody>
+      </p:sp>
+    </p:spTree>
+    <p:extLst>
+      <p:ext uri="{BB962C8B-B14F-4D97-AF65-F5344CB8AC3E}">
+        <p14:creationId xmlns:p14="http://schemas.microsoft.com/office/powerpoint/2010/main" val="3297784908"/>
+      </p:ext>
+    </p:extLst>
+  </p:cSld>
+  <p:clrMapOvr>
+    <a:masterClrMapping/>
+  </p:clrMapOvr>
+</p:sldLayout>
+</file>
+
+<file path=ppt/slideLayouts/slideLayout11.xml><?xml version="1.0" encoding="utf-8"?>
+<p:sldLayout xmlns:a="http://schemas.openxmlformats.org/drawingml/2006/main" xmlns:r="http://schemas.openxmlformats.org/officeDocument/2006/relationships" xmlns:p="http://schemas.openxmlformats.org/presentationml/2006/main" preserve="1" userDrawn="1">
+  <p:cSld name="Comparison">
+    <p:spTree>
+      <p:nvGrpSpPr>
+        <p:cNvPr id="1" name=""/>
+        <p:cNvGrpSpPr/>
+        <p:nvPr/>
+      </p:nvGrpSpPr>
+      <p:grpSpPr>
+        <a:xfrm>
+          <a:off x="0" y="0"/>
+          <a:ext cx="0" cy="0"/>
+          <a:chOff x="0" y="0"/>
+          <a:chExt cx="0" cy="0"/>
+        </a:xfrm>
+      </p:grpSpPr>
+      <p:pic>
+        <p:nvPicPr>
+          <p:cNvPr id="16" name="Picture 15">
+            <a:extLst>
+              <a:ext uri="{FF2B5EF4-FFF2-40B4-BE49-F238E27FC236}">
+                <a16:creationId xmlns:a16="http://schemas.microsoft.com/office/drawing/2014/main" id="{9C446B22-2450-0429-C7EA-99864B4E1326}"/>
+              </a:ext>
+            </a:extLst>
+          </p:cNvPr>
+          <p:cNvPicPr>
+            <a:picLocks noChangeAspect="1"/>
+          </p:cNvPicPr>
+          <p:nvPr userDrawn="1"/>
+        </p:nvPicPr>
+        <p:blipFill>
+          <a:blip r:embed="rId2">
+            <a:alphaModFix amt="5000"/>
+          </a:blip>
+          <a:stretch>
+            <a:fillRect/>
+          </a:stretch>
+        </p:blipFill>
+        <p:spPr>
+          <a:xfrm>
+            <a:off x="952544" y="3635338"/>
+            <a:ext cx="3240000" cy="3240000"/>
+          </a:xfrm>
+          <a:prstGeom prst="rect">
+            <a:avLst/>
+          </a:prstGeom>
+        </p:spPr>
+      </p:pic>
+      <p:sp>
+        <p:nvSpPr>
+          <p:cNvPr id="2" name="Title 1"/>
+          <p:cNvSpPr>
+            <a:spLocks noGrp="1"/>
+          </p:cNvSpPr>
+          <p:nvPr>
+            <p:ph type="title"/>
+          </p:nvPr>
+        </p:nvSpPr>
+        <p:spPr>
+          <a:xfrm>
+            <a:off x="354396" y="910555"/>
+            <a:ext cx="4437638" cy="630000"/>
+          </a:xfrm>
+        </p:spPr>
+        <p:txBody>
+          <a:bodyPr/>
+          <a:lstStyle/>
+          <a:p>
+            <a:r>
+              <a:rPr lang="en-GB"/>
+              <a:t>Click to edit Master title style</a:t>
+            </a:r>
+            <a:endParaRPr lang="en-US" dirty="0"/>
+          </a:p>
+        </p:txBody>
+      </p:sp>
+      <p:sp>
+        <p:nvSpPr>
+          <p:cNvPr id="3" name="Text Placeholder 2"/>
+          <p:cNvSpPr>
+            <a:spLocks noGrp="1"/>
+          </p:cNvSpPr>
+          <p:nvPr>
+            <p:ph type="body" idx="1"/>
+          </p:nvPr>
+        </p:nvSpPr>
+        <p:spPr>
+          <a:xfrm>
+            <a:off x="354396" y="1642837"/>
+            <a:ext cx="2176613" cy="540000"/>
+          </a:xfrm>
+        </p:spPr>
+        <p:txBody>
+          <a:bodyPr anchor="b"/>
+          <a:lstStyle>
+            <a:lvl1pPr marL="0" indent="0">
+              <a:buNone/>
+              <a:defRPr sz="1350" b="1"/>
+            </a:lvl1pPr>
+            <a:lvl2pPr marL="257266" indent="0">
+              <a:buNone/>
+              <a:defRPr sz="1125" b="1"/>
+            </a:lvl2pPr>
+            <a:lvl3pPr marL="514533" indent="0">
+              <a:buNone/>
+              <a:defRPr sz="1013" b="1"/>
+            </a:lvl3pPr>
+            <a:lvl4pPr marL="771799" indent="0">
+              <a:buNone/>
+              <a:defRPr sz="900" b="1"/>
+            </a:lvl4pPr>
+            <a:lvl5pPr marL="1029066" indent="0">
+              <a:buNone/>
+              <a:defRPr sz="900" b="1"/>
+            </a:lvl5pPr>
+            <a:lvl6pPr marL="1286332" indent="0">
+              <a:buNone/>
+              <a:defRPr sz="900" b="1"/>
+            </a:lvl6pPr>
+            <a:lvl7pPr marL="1543599" indent="0">
+              <a:buNone/>
+              <a:defRPr sz="900" b="1"/>
+            </a:lvl7pPr>
+            <a:lvl8pPr marL="1800865" indent="0">
+              <a:buNone/>
+              <a:defRPr sz="900" b="1"/>
+            </a:lvl8pPr>
+            <a:lvl9pPr marL="2058132" indent="0">
+              <a:buNone/>
+              <a:defRPr sz="900" b="1"/>
+            </a:lvl9pPr>
+          </a:lstStyle>
+          <a:p>
+            <a:pPr lvl="0"/>
+            <a:r>
+              <a:rPr lang="en-GB"/>
+              <a:t>Click to edit Master text styles</a:t>
+            </a:r>
+          </a:p>
+        </p:txBody>
+      </p:sp>
+      <p:sp>
+        <p:nvSpPr>
+          <p:cNvPr id="5" name="Text Placeholder 4"/>
+          <p:cNvSpPr>
+            <a:spLocks noGrp="1"/>
+          </p:cNvSpPr>
+          <p:nvPr>
+            <p:ph type="body" sz="quarter" idx="3"/>
+          </p:nvPr>
+        </p:nvSpPr>
+        <p:spPr>
+          <a:xfrm>
+            <a:off x="2604701" y="1642837"/>
+            <a:ext cx="2187333" cy="540000"/>
+          </a:xfrm>
+        </p:spPr>
+        <p:txBody>
+          <a:bodyPr anchor="b"/>
+          <a:lstStyle>
+            <a:lvl1pPr marL="0" indent="0">
+              <a:buNone/>
+              <a:defRPr sz="1350" b="1"/>
+            </a:lvl1pPr>
+            <a:lvl2pPr marL="257266" indent="0">
+              <a:buNone/>
+              <a:defRPr sz="1125" b="1"/>
+            </a:lvl2pPr>
+            <a:lvl3pPr marL="514533" indent="0">
+              <a:buNone/>
+              <a:defRPr sz="1013" b="1"/>
+            </a:lvl3pPr>
+            <a:lvl4pPr marL="771799" indent="0">
+              <a:buNone/>
+              <a:defRPr sz="900" b="1"/>
+            </a:lvl4pPr>
+            <a:lvl5pPr marL="1029066" indent="0">
+              <a:buNone/>
+              <a:defRPr sz="900" b="1"/>
+            </a:lvl5pPr>
+            <a:lvl6pPr marL="1286332" indent="0">
+              <a:buNone/>
+              <a:defRPr sz="900" b="1"/>
+            </a:lvl6pPr>
+            <a:lvl7pPr marL="1543599" indent="0">
+              <a:buNone/>
+              <a:defRPr sz="900" b="1"/>
+            </a:lvl7pPr>
+            <a:lvl8pPr marL="1800865" indent="0">
+              <a:buNone/>
+              <a:defRPr sz="900" b="1"/>
+            </a:lvl8pPr>
+            <a:lvl9pPr marL="2058132" indent="0">
+              <a:buNone/>
+              <a:defRPr sz="900" b="1"/>
+            </a:lvl9pPr>
+          </a:lstStyle>
+          <a:p>
+            <a:pPr lvl="0"/>
+            <a:r>
+              <a:rPr lang="en-GB"/>
+              <a:t>Click to edit Master text styles</a:t>
+            </a:r>
+          </a:p>
+        </p:txBody>
+      </p:sp>
+      <p:sp>
+        <p:nvSpPr>
+          <p:cNvPr id="8" name="TextBox 7">
+            <a:extLst>
+              <a:ext uri="{FF2B5EF4-FFF2-40B4-BE49-F238E27FC236}">
+                <a16:creationId xmlns:a16="http://schemas.microsoft.com/office/drawing/2014/main" id="{08D89227-9FFA-C19E-1DA3-8F796FE4379D}"/>
+              </a:ext>
+            </a:extLst>
+          </p:cNvPr>
+          <p:cNvSpPr txBox="1"/>
+          <p:nvPr userDrawn="1"/>
+        </p:nvSpPr>
+        <p:spPr>
+          <a:xfrm>
+            <a:off x="1730965" y="8588057"/>
+            <a:ext cx="2181600" cy="252000"/>
+          </a:xfrm>
+          <a:prstGeom prst="rect">
+            <a:avLst/>
+          </a:prstGeom>
+          <a:noFill/>
+        </p:spPr>
+        <p:txBody>
+          <a:bodyPr wrap="square" rtlCol="0">
+            <a:spAutoFit/>
+          </a:bodyPr>
+          <a:lstStyle/>
+          <a:p>
+            <a:pPr algn="ctr">
+              <a:tabLst>
+                <a:tab pos="2865755" algn="ctr"/>
+                <a:tab pos="5731510" algn="r"/>
+              </a:tabLst>
+            </a:pPr>
+            <a:r>
+              <a:rPr lang="hi-IN" sz="1000" b="0" i="0" spc="120" baseline="0" dirty="0">
+                <a:solidFill>
+                  <a:schemeClr val="tx2">
+                    <a:lumMod val="90000"/>
+                    <a:lumOff val="10000"/>
+                  </a:schemeClr>
+                </a:solidFill>
+                <a:effectLst/>
+                <a:latin typeface="American Typewriter" panose="02090604020004020304" pitchFamily="18" charset="77"/>
+                <a:ea typeface="Calibri" panose="020F0502020204030204" pitchFamily="34" charset="0"/>
+                <a:cs typeface="Kohinoor Devanagari Light" panose="02000000000000000000" pitchFamily="2" charset="77"/>
+              </a:rPr>
+              <a:t>सहजकोड</a:t>
+            </a:r>
+            <a:r>
+              <a:rPr lang="en-US" sz="1000" b="0" i="0" spc="120" baseline="0" dirty="0">
+                <a:solidFill>
+                  <a:schemeClr val="tx2">
+                    <a:lumMod val="90000"/>
+                    <a:lumOff val="10000"/>
+                  </a:schemeClr>
+                </a:solidFill>
+                <a:effectLst/>
+                <a:latin typeface="American Typewriter" panose="02090604020004020304" pitchFamily="18" charset="77"/>
+                <a:ea typeface="Calibri" panose="020F0502020204030204" pitchFamily="34" charset="0"/>
+                <a:cs typeface="Kohinoor Devanagari Light" panose="02000000000000000000" pitchFamily="2" charset="77"/>
+              </a:rPr>
+              <a:t> </a:t>
+            </a:r>
+            <a:r>
+              <a:rPr lang="en-US" sz="1000" spc="120" baseline="0" dirty="0">
+                <a:solidFill>
+                  <a:schemeClr val="tx2">
+                    <a:lumMod val="90000"/>
+                    <a:lumOff val="10000"/>
+                  </a:schemeClr>
+                </a:solidFill>
+                <a:effectLst/>
+                <a:latin typeface="American Typewriter" panose="02090604020004020304" pitchFamily="18" charset="77"/>
+                <a:ea typeface="Calibri" panose="020F0502020204030204" pitchFamily="34" charset="0"/>
+                <a:cs typeface="Times New Roman" panose="02020603050405020304" pitchFamily="18" charset="0"/>
+              </a:rPr>
+              <a:t>| SAHAJCODE.COM</a:t>
+            </a:r>
+            <a:endParaRPr lang="en-IN" sz="1000" spc="120" baseline="0" dirty="0">
+              <a:solidFill>
+                <a:schemeClr val="tx2">
+                  <a:lumMod val="90000"/>
+                  <a:lumOff val="10000"/>
+                </a:schemeClr>
+              </a:solidFill>
+              <a:effectLst/>
+              <a:latin typeface="American Typewriter" panose="02090604020004020304" pitchFamily="18" charset="77"/>
+              <a:ea typeface="Calibri" panose="020F0502020204030204" pitchFamily="34" charset="0"/>
+              <a:cs typeface="Times New Roman" panose="02020603050405020304" pitchFamily="18" charset="0"/>
+            </a:endParaRPr>
+          </a:p>
+        </p:txBody>
+      </p:sp>
+      <p:sp>
+        <p:nvSpPr>
+          <p:cNvPr id="6" name="Content Placeholder 5"/>
+          <p:cNvSpPr>
+            <a:spLocks noGrp="1"/>
+          </p:cNvSpPr>
+          <p:nvPr>
+            <p:ph sz="quarter" idx="4"/>
+          </p:nvPr>
+        </p:nvSpPr>
+        <p:spPr>
+          <a:xfrm>
+            <a:off x="2603359" y="2280708"/>
+            <a:ext cx="2187333" cy="5949260"/>
+          </a:xfrm>
+        </p:spPr>
+        <p:txBody>
+          <a:bodyPr/>
+          <a:lstStyle/>
+          <a:p>
+            <a:pPr lvl="0"/>
+            <a:r>
+              <a:rPr lang="en-GB"/>
+              <a:t>Click to edit Master text styles</a:t>
+            </a:r>
+          </a:p>
+          <a:p>
+            <a:pPr lvl="1"/>
+            <a:r>
+              <a:rPr lang="en-GB"/>
+              <a:t>Second level</a:t>
+            </a:r>
+          </a:p>
+          <a:p>
+            <a:pPr lvl="2"/>
+            <a:r>
+              <a:rPr lang="en-GB"/>
+              <a:t>Third level</a:t>
+            </a:r>
+          </a:p>
+          <a:p>
+            <a:pPr lvl="3"/>
+            <a:r>
+              <a:rPr lang="en-GB"/>
+              <a:t>Fourth level</a:t>
+            </a:r>
+          </a:p>
+          <a:p>
+            <a:pPr lvl="4"/>
+            <a:r>
+              <a:rPr lang="en-GB"/>
+              <a:t>Fifth level</a:t>
+            </a:r>
+            <a:endParaRPr lang="en-US" dirty="0"/>
+          </a:p>
+        </p:txBody>
+      </p:sp>
+      <p:sp>
+        <p:nvSpPr>
+          <p:cNvPr id="4" name="Content Placeholder 3"/>
+          <p:cNvSpPr>
+            <a:spLocks noGrp="1"/>
+          </p:cNvSpPr>
+          <p:nvPr>
+            <p:ph sz="half" idx="2"/>
+          </p:nvPr>
+        </p:nvSpPr>
+        <p:spPr>
+          <a:xfrm>
+            <a:off x="354396" y="2284185"/>
+            <a:ext cx="2176613" cy="5949260"/>
+          </a:xfrm>
+        </p:spPr>
+        <p:txBody>
+          <a:bodyPr/>
+          <a:lstStyle/>
+          <a:p>
+            <a:pPr lvl="0"/>
+            <a:r>
+              <a:rPr lang="en-GB"/>
+              <a:t>Click to edit Master text styles</a:t>
+            </a:r>
+          </a:p>
+          <a:p>
+            <a:pPr lvl="1"/>
+            <a:r>
+              <a:rPr lang="en-GB"/>
+              <a:t>Second level</a:t>
+            </a:r>
+          </a:p>
+          <a:p>
+            <a:pPr lvl="2"/>
+            <a:r>
+              <a:rPr lang="en-GB"/>
+              <a:t>Third level</a:t>
+            </a:r>
+          </a:p>
+          <a:p>
+            <a:pPr lvl="3"/>
+            <a:r>
+              <a:rPr lang="en-GB"/>
+              <a:t>Fourth level</a:t>
+            </a:r>
+          </a:p>
+          <a:p>
+            <a:pPr lvl="4"/>
+            <a:r>
+              <a:rPr lang="en-GB"/>
+              <a:t>Fifth level</a:t>
+            </a:r>
+            <a:endParaRPr lang="en-US" dirty="0"/>
+          </a:p>
+        </p:txBody>
+      </p:sp>
+    </p:spTree>
+    <p:extLst>
+      <p:ext uri="{BB962C8B-B14F-4D97-AF65-F5344CB8AC3E}">
+        <p14:creationId xmlns:p14="http://schemas.microsoft.com/office/powerpoint/2010/main" val="2159205040"/>
+      </p:ext>
+    </p:extLst>
+  </p:cSld>
+  <p:clrMapOvr>
+    <a:masterClrMapping/>
+  </p:clrMapOvr>
+</p:sldLayout>
+</file>
+
+<file path=ppt/slideLayouts/slideLayout12.xml><?xml version="1.0" encoding="utf-8"?>
+<p:sldLayout xmlns:a="http://schemas.openxmlformats.org/drawingml/2006/main" xmlns:r="http://schemas.openxmlformats.org/officeDocument/2006/relationships" xmlns:p="http://schemas.openxmlformats.org/presentationml/2006/main" preserve="1" userDrawn="1">
+  <p:cSld name="1_Comparison">
+    <p:spTree>
+      <p:nvGrpSpPr>
+        <p:cNvPr id="1" name=""/>
+        <p:cNvGrpSpPr/>
+        <p:nvPr/>
+      </p:nvGrpSpPr>
+      <p:grpSpPr>
+        <a:xfrm>
+          <a:off x="0" y="0"/>
+          <a:ext cx="0" cy="0"/>
+          <a:chOff x="0" y="0"/>
+          <a:chExt cx="0" cy="0"/>
+        </a:xfrm>
+      </p:grpSpPr>
+      <p:sp>
+        <p:nvSpPr>
+          <p:cNvPr id="2" name="Title 1"/>
+          <p:cNvSpPr>
+            <a:spLocks noGrp="1"/>
+          </p:cNvSpPr>
+          <p:nvPr>
+            <p:ph type="title"/>
+          </p:nvPr>
+        </p:nvSpPr>
+        <p:spPr>
+          <a:xfrm>
+            <a:off x="354396" y="910555"/>
+            <a:ext cx="4437638" cy="630000"/>
+          </a:xfrm>
+        </p:spPr>
+        <p:txBody>
+          <a:bodyPr/>
+          <a:lstStyle/>
+          <a:p>
+            <a:r>
+              <a:rPr lang="en-GB"/>
+              <a:t>Click to edit Master title style</a:t>
+            </a:r>
+            <a:endParaRPr lang="en-US" dirty="0"/>
+          </a:p>
+        </p:txBody>
+      </p:sp>
+      <p:sp>
+        <p:nvSpPr>
+          <p:cNvPr id="3" name="Text Placeholder 2"/>
+          <p:cNvSpPr>
+            <a:spLocks noGrp="1"/>
+          </p:cNvSpPr>
+          <p:nvPr>
+            <p:ph type="body" idx="1"/>
+          </p:nvPr>
+        </p:nvSpPr>
+        <p:spPr>
+          <a:xfrm>
+            <a:off x="354396" y="1642837"/>
+            <a:ext cx="2176613" cy="540000"/>
+          </a:xfrm>
+        </p:spPr>
+        <p:txBody>
+          <a:bodyPr anchor="b"/>
+          <a:lstStyle>
+            <a:lvl1pPr marL="0" indent="0">
+              <a:buNone/>
+              <a:defRPr sz="1350" b="1"/>
+            </a:lvl1pPr>
+            <a:lvl2pPr marL="257266" indent="0">
+              <a:buNone/>
+              <a:defRPr sz="1125" b="1"/>
+            </a:lvl2pPr>
+            <a:lvl3pPr marL="514533" indent="0">
+              <a:buNone/>
+              <a:defRPr sz="1013" b="1"/>
+            </a:lvl3pPr>
+            <a:lvl4pPr marL="771799" indent="0">
+              <a:buNone/>
+              <a:defRPr sz="900" b="1"/>
+            </a:lvl4pPr>
+            <a:lvl5pPr marL="1029066" indent="0">
+              <a:buNone/>
+              <a:defRPr sz="900" b="1"/>
+            </a:lvl5pPr>
+            <a:lvl6pPr marL="1286332" indent="0">
+              <a:buNone/>
+              <a:defRPr sz="900" b="1"/>
+            </a:lvl6pPr>
+            <a:lvl7pPr marL="1543599" indent="0">
+              <a:buNone/>
+              <a:defRPr sz="900" b="1"/>
+            </a:lvl7pPr>
+            <a:lvl8pPr marL="1800865" indent="0">
+              <a:buNone/>
+              <a:defRPr sz="900" b="1"/>
+            </a:lvl8pPr>
+            <a:lvl9pPr marL="2058132" indent="0">
+              <a:buNone/>
+              <a:defRPr sz="900" b="1"/>
+            </a:lvl9pPr>
+          </a:lstStyle>
+          <a:p>
+            <a:pPr lvl="0"/>
+            <a:r>
+              <a:rPr lang="en-GB"/>
+              <a:t>Click to edit Master text styles</a:t>
+            </a:r>
+          </a:p>
+        </p:txBody>
+      </p:sp>
+      <p:sp>
+        <p:nvSpPr>
+          <p:cNvPr id="5" name="Text Placeholder 4"/>
+          <p:cNvSpPr>
+            <a:spLocks noGrp="1"/>
+          </p:cNvSpPr>
+          <p:nvPr>
+            <p:ph type="body" sz="quarter" idx="3"/>
+          </p:nvPr>
+        </p:nvSpPr>
+        <p:spPr>
+          <a:xfrm>
+            <a:off x="2604701" y="1642837"/>
+            <a:ext cx="2187333" cy="540000"/>
+          </a:xfrm>
+        </p:spPr>
+        <p:txBody>
+          <a:bodyPr anchor="b"/>
+          <a:lstStyle>
+            <a:lvl1pPr marL="0" indent="0">
+              <a:buNone/>
+              <a:defRPr sz="1350" b="1"/>
+            </a:lvl1pPr>
+            <a:lvl2pPr marL="257266" indent="0">
+              <a:buNone/>
+              <a:defRPr sz="1125" b="1"/>
+            </a:lvl2pPr>
+            <a:lvl3pPr marL="514533" indent="0">
+              <a:buNone/>
+              <a:defRPr sz="1013" b="1"/>
+            </a:lvl3pPr>
+            <a:lvl4pPr marL="771799" indent="0">
+              <a:buNone/>
+              <a:defRPr sz="900" b="1"/>
+            </a:lvl4pPr>
+            <a:lvl5pPr marL="1029066" indent="0">
+              <a:buNone/>
+              <a:defRPr sz="900" b="1"/>
+            </a:lvl5pPr>
+            <a:lvl6pPr marL="1286332" indent="0">
+              <a:buNone/>
+              <a:defRPr sz="900" b="1"/>
+            </a:lvl6pPr>
+            <a:lvl7pPr marL="1543599" indent="0">
+              <a:buNone/>
+              <a:defRPr sz="900" b="1"/>
+            </a:lvl7pPr>
+            <a:lvl8pPr marL="1800865" indent="0">
+              <a:buNone/>
+              <a:defRPr sz="900" b="1"/>
+            </a:lvl8pPr>
+            <a:lvl9pPr marL="2058132" indent="0">
+              <a:buNone/>
+              <a:defRPr sz="900" b="1"/>
+            </a:lvl9pPr>
+          </a:lstStyle>
+          <a:p>
+            <a:pPr lvl="0"/>
+            <a:r>
+              <a:rPr lang="en-GB"/>
+              <a:t>Click to edit Master text styles</a:t>
+            </a:r>
+          </a:p>
+        </p:txBody>
+      </p:sp>
+      <p:sp>
+        <p:nvSpPr>
+          <p:cNvPr id="8" name="TextBox 7">
+            <a:extLst>
+              <a:ext uri="{FF2B5EF4-FFF2-40B4-BE49-F238E27FC236}">
+                <a16:creationId xmlns:a16="http://schemas.microsoft.com/office/drawing/2014/main" id="{08D89227-9FFA-C19E-1DA3-8F796FE4379D}"/>
+              </a:ext>
+            </a:extLst>
+          </p:cNvPr>
+          <p:cNvSpPr txBox="1"/>
+          <p:nvPr userDrawn="1"/>
+        </p:nvSpPr>
+        <p:spPr>
+          <a:xfrm>
+            <a:off x="1730965" y="8588057"/>
+            <a:ext cx="2181600" cy="252000"/>
+          </a:xfrm>
+          <a:prstGeom prst="rect">
+            <a:avLst/>
+          </a:prstGeom>
+          <a:noFill/>
+        </p:spPr>
+        <p:txBody>
+          <a:bodyPr wrap="square" rtlCol="0">
+            <a:spAutoFit/>
+          </a:bodyPr>
+          <a:lstStyle/>
+          <a:p>
+            <a:pPr algn="ctr">
+              <a:tabLst>
+                <a:tab pos="2865755" algn="ctr"/>
+                <a:tab pos="5731510" algn="r"/>
+              </a:tabLst>
+            </a:pPr>
+            <a:r>
+              <a:rPr lang="hi-IN" sz="1000" b="0" i="0" spc="120" baseline="0" dirty="0">
+                <a:solidFill>
+                  <a:schemeClr val="tx2">
+                    <a:lumMod val="90000"/>
+                    <a:lumOff val="10000"/>
+                  </a:schemeClr>
+                </a:solidFill>
+                <a:effectLst/>
+                <a:latin typeface="American Typewriter" panose="02090604020004020304" pitchFamily="18" charset="77"/>
+                <a:ea typeface="Calibri" panose="020F0502020204030204" pitchFamily="34" charset="0"/>
+                <a:cs typeface="Kohinoor Devanagari Light" panose="02000000000000000000" pitchFamily="2" charset="77"/>
+              </a:rPr>
+              <a:t>सहजकोड</a:t>
+            </a:r>
+            <a:r>
+              <a:rPr lang="en-US" sz="1000" b="0" i="0" spc="120" baseline="0" dirty="0">
+                <a:solidFill>
+                  <a:schemeClr val="tx2">
+                    <a:lumMod val="90000"/>
+                    <a:lumOff val="10000"/>
+                  </a:schemeClr>
+                </a:solidFill>
+                <a:effectLst/>
+                <a:latin typeface="American Typewriter" panose="02090604020004020304" pitchFamily="18" charset="77"/>
+                <a:ea typeface="Calibri" panose="020F0502020204030204" pitchFamily="34" charset="0"/>
+                <a:cs typeface="Kohinoor Devanagari Light" panose="02000000000000000000" pitchFamily="2" charset="77"/>
+              </a:rPr>
+              <a:t> </a:t>
+            </a:r>
+            <a:r>
+              <a:rPr lang="en-US" sz="1000" spc="120" baseline="0" dirty="0">
+                <a:solidFill>
+                  <a:schemeClr val="tx2">
+                    <a:lumMod val="90000"/>
+                    <a:lumOff val="10000"/>
+                  </a:schemeClr>
+                </a:solidFill>
+                <a:effectLst/>
+                <a:latin typeface="American Typewriter" panose="02090604020004020304" pitchFamily="18" charset="77"/>
+                <a:ea typeface="Calibri" panose="020F0502020204030204" pitchFamily="34" charset="0"/>
+                <a:cs typeface="Times New Roman" panose="02020603050405020304" pitchFamily="18" charset="0"/>
+              </a:rPr>
+              <a:t>| SAHAJCODE.COM</a:t>
+            </a:r>
+            <a:endParaRPr lang="en-IN" sz="1000" spc="120" baseline="0" dirty="0">
+              <a:solidFill>
+                <a:schemeClr val="tx2">
+                  <a:lumMod val="90000"/>
+                  <a:lumOff val="10000"/>
+                </a:schemeClr>
+              </a:solidFill>
+              <a:effectLst/>
+              <a:latin typeface="American Typewriter" panose="02090604020004020304" pitchFamily="18" charset="77"/>
+              <a:ea typeface="Calibri" panose="020F0502020204030204" pitchFamily="34" charset="0"/>
+              <a:cs typeface="Times New Roman" panose="02020603050405020304" pitchFamily="18" charset="0"/>
+            </a:endParaRPr>
+          </a:p>
+        </p:txBody>
+      </p:sp>
+      <p:sp>
+        <p:nvSpPr>
+          <p:cNvPr id="6" name="Content Placeholder 5"/>
+          <p:cNvSpPr>
+            <a:spLocks noGrp="1"/>
+          </p:cNvSpPr>
+          <p:nvPr>
+            <p:ph sz="quarter" idx="4"/>
+          </p:nvPr>
+        </p:nvSpPr>
+        <p:spPr>
+          <a:xfrm>
+            <a:off x="2603359" y="2280708"/>
+            <a:ext cx="2187333" cy="5949260"/>
+          </a:xfrm>
+        </p:spPr>
+        <p:txBody>
+          <a:bodyPr/>
+          <a:lstStyle/>
+          <a:p>
+            <a:pPr lvl="0"/>
+            <a:r>
+              <a:rPr lang="en-GB"/>
+              <a:t>Click to edit Master text styles</a:t>
+            </a:r>
+          </a:p>
+          <a:p>
+            <a:pPr lvl="1"/>
+            <a:r>
+              <a:rPr lang="en-GB"/>
+              <a:t>Second level</a:t>
+            </a:r>
+          </a:p>
+          <a:p>
+            <a:pPr lvl="2"/>
+            <a:r>
+              <a:rPr lang="en-GB"/>
+              <a:t>Third level</a:t>
+            </a:r>
+          </a:p>
+          <a:p>
+            <a:pPr lvl="3"/>
+            <a:r>
+              <a:rPr lang="en-GB"/>
+              <a:t>Fourth level</a:t>
+            </a:r>
+          </a:p>
+          <a:p>
+            <a:pPr lvl="4"/>
+            <a:r>
+              <a:rPr lang="en-GB"/>
+              <a:t>Fifth level</a:t>
+            </a:r>
+            <a:endParaRPr lang="en-US" dirty="0"/>
+          </a:p>
+        </p:txBody>
+      </p:sp>
+      <p:sp>
+        <p:nvSpPr>
+          <p:cNvPr id="4" name="Content Placeholder 3"/>
+          <p:cNvSpPr>
+            <a:spLocks noGrp="1"/>
+          </p:cNvSpPr>
+          <p:nvPr>
+            <p:ph sz="half" idx="2"/>
+          </p:nvPr>
+        </p:nvSpPr>
+        <p:spPr>
+          <a:xfrm>
+            <a:off x="354396" y="2284185"/>
+            <a:ext cx="2176613" cy="5949260"/>
+          </a:xfrm>
+        </p:spPr>
+        <p:txBody>
+          <a:bodyPr/>
+          <a:lstStyle/>
+          <a:p>
+            <a:pPr lvl="0"/>
+            <a:r>
+              <a:rPr lang="en-GB"/>
+              <a:t>Click to edit Master text styles</a:t>
+            </a:r>
+          </a:p>
+          <a:p>
+            <a:pPr lvl="1"/>
+            <a:r>
+              <a:rPr lang="en-GB"/>
+              <a:t>Second level</a:t>
+            </a:r>
+          </a:p>
+          <a:p>
+            <a:pPr lvl="2"/>
+            <a:r>
+              <a:rPr lang="en-GB"/>
+              <a:t>Third level</a:t>
+            </a:r>
+          </a:p>
+          <a:p>
+            <a:pPr lvl="3"/>
+            <a:r>
+              <a:rPr lang="en-GB"/>
+              <a:t>Fourth level</a:t>
+            </a:r>
+          </a:p>
+          <a:p>
+            <a:pPr lvl="4"/>
+            <a:r>
+              <a:rPr lang="en-GB"/>
+              <a:t>Fifth level</a:t>
+            </a:r>
+            <a:endParaRPr lang="en-US" dirty="0"/>
+          </a:p>
+        </p:txBody>
+      </p:sp>
+    </p:spTree>
+    <p:extLst>
+      <p:ext uri="{BB962C8B-B14F-4D97-AF65-F5344CB8AC3E}">
+        <p14:creationId xmlns:p14="http://schemas.microsoft.com/office/powerpoint/2010/main" val="2224768126"/>
+      </p:ext>
+    </p:extLst>
+  </p:cSld>
+  <p:clrMapOvr>
+    <a:masterClrMapping/>
+  </p:clrMapOvr>
+</p:sldLayout>
+</file>
+
+<file path=ppt/slideLayouts/slideLayout13.xml><?xml version="1.0" encoding="utf-8"?>
+<p:sldLayout xmlns:a="http://schemas.openxmlformats.org/drawingml/2006/main" xmlns:r="http://schemas.openxmlformats.org/officeDocument/2006/relationships" xmlns:p="http://schemas.openxmlformats.org/presentationml/2006/main" type="titleOnly" preserve="1">
+  <p:cSld name="Title Only">
+    <p:spTree>
+      <p:nvGrpSpPr>
+        <p:cNvPr id="1" name=""/>
+        <p:cNvGrpSpPr/>
+        <p:nvPr/>
+      </p:nvGrpSpPr>
+      <p:grpSpPr>
+        <a:xfrm>
+          <a:off x="0" y="0"/>
+          <a:ext cx="0" cy="0"/>
+          <a:chOff x="0" y="0"/>
+          <a:chExt cx="0" cy="0"/>
+        </a:xfrm>
+      </p:grpSpPr>
+      <p:pic>
+        <p:nvPicPr>
+          <p:cNvPr id="8" name="Picture 7">
+            <a:extLst>
+              <a:ext uri="{FF2B5EF4-FFF2-40B4-BE49-F238E27FC236}">
+                <a16:creationId xmlns:a16="http://schemas.microsoft.com/office/drawing/2014/main" id="{21C0F5B9-C172-4B84-6453-3EC2329913C8}"/>
+              </a:ext>
+            </a:extLst>
+          </p:cNvPr>
+          <p:cNvPicPr>
+            <a:picLocks noChangeAspect="1"/>
+          </p:cNvPicPr>
+          <p:nvPr userDrawn="1"/>
+        </p:nvPicPr>
+        <p:blipFill>
+          <a:blip r:embed="rId2">
+            <a:alphaModFix amt="5000"/>
+          </a:blip>
+          <a:stretch>
+            <a:fillRect/>
+          </a:stretch>
+        </p:blipFill>
+        <p:spPr>
+          <a:xfrm>
+            <a:off x="952543" y="3361120"/>
+            <a:ext cx="3240000" cy="3240000"/>
+          </a:xfrm>
+          <a:prstGeom prst="rect">
+            <a:avLst/>
+          </a:prstGeom>
+        </p:spPr>
+      </p:pic>
+      <p:sp>
+        <p:nvSpPr>
+          <p:cNvPr id="2" name="Title 1"/>
+          <p:cNvSpPr>
+            <a:spLocks noGrp="1"/>
+          </p:cNvSpPr>
+          <p:nvPr>
+            <p:ph type="title"/>
+          </p:nvPr>
+        </p:nvSpPr>
+        <p:spPr/>
+        <p:txBody>
+          <a:bodyPr/>
+          <a:lstStyle/>
+          <a:p>
+            <a:r>
+              <a:rPr lang="en-GB"/>
+              <a:t>Click to edit Master title style</a:t>
+            </a:r>
+            <a:endParaRPr lang="en-US" dirty="0"/>
+          </a:p>
+        </p:txBody>
+      </p:sp>
+      <p:sp>
+        <p:nvSpPr>
+          <p:cNvPr id="5" name="TextBox 4">
+            <a:extLst>
+              <a:ext uri="{FF2B5EF4-FFF2-40B4-BE49-F238E27FC236}">
+                <a16:creationId xmlns:a16="http://schemas.microsoft.com/office/drawing/2014/main" id="{98AAC94A-6101-B539-7BFB-0CDE00AC183A}"/>
+              </a:ext>
+            </a:extLst>
+          </p:cNvPr>
+          <p:cNvSpPr txBox="1"/>
+          <p:nvPr userDrawn="1"/>
+        </p:nvSpPr>
+        <p:spPr>
+          <a:xfrm>
+            <a:off x="1730965" y="8588057"/>
+            <a:ext cx="2181600" cy="252000"/>
+          </a:xfrm>
+          <a:prstGeom prst="rect">
+            <a:avLst/>
+          </a:prstGeom>
+          <a:noFill/>
+        </p:spPr>
+        <p:txBody>
+          <a:bodyPr wrap="square" rtlCol="0">
+            <a:spAutoFit/>
+          </a:bodyPr>
+          <a:lstStyle/>
+          <a:p>
+            <a:pPr algn="ctr">
+              <a:tabLst>
+                <a:tab pos="2865755" algn="ctr"/>
+                <a:tab pos="5731510" algn="r"/>
+              </a:tabLst>
+            </a:pPr>
+            <a:r>
+              <a:rPr lang="hi-IN" sz="1000" b="0" i="0" spc="120" baseline="0" dirty="0">
+                <a:solidFill>
+                  <a:schemeClr val="tx2">
+                    <a:lumMod val="90000"/>
+                    <a:lumOff val="10000"/>
+                  </a:schemeClr>
+                </a:solidFill>
+                <a:effectLst/>
+                <a:latin typeface="American Typewriter" panose="02090604020004020304" pitchFamily="18" charset="77"/>
+                <a:ea typeface="Calibri" panose="020F0502020204030204" pitchFamily="34" charset="0"/>
+                <a:cs typeface="Kohinoor Devanagari Light" panose="02000000000000000000" pitchFamily="2" charset="77"/>
+              </a:rPr>
+              <a:t>सहजकोड</a:t>
+            </a:r>
+            <a:r>
+              <a:rPr lang="en-US" sz="1000" b="0" i="0" spc="120" baseline="0" dirty="0">
+                <a:solidFill>
+                  <a:schemeClr val="tx2">
+                    <a:lumMod val="90000"/>
+                    <a:lumOff val="10000"/>
+                  </a:schemeClr>
+                </a:solidFill>
+                <a:effectLst/>
+                <a:latin typeface="American Typewriter" panose="02090604020004020304" pitchFamily="18" charset="77"/>
+                <a:ea typeface="Calibri" panose="020F0502020204030204" pitchFamily="34" charset="0"/>
+                <a:cs typeface="Kohinoor Devanagari Light" panose="02000000000000000000" pitchFamily="2" charset="77"/>
+              </a:rPr>
+              <a:t> </a:t>
+            </a:r>
+            <a:r>
+              <a:rPr lang="en-US" sz="1000" spc="120" baseline="0" dirty="0">
+                <a:solidFill>
+                  <a:schemeClr val="tx2">
+                    <a:lumMod val="90000"/>
+                    <a:lumOff val="10000"/>
+                  </a:schemeClr>
+                </a:solidFill>
+                <a:effectLst/>
+                <a:latin typeface="American Typewriter" panose="02090604020004020304" pitchFamily="18" charset="77"/>
+                <a:ea typeface="Calibri" panose="020F0502020204030204" pitchFamily="34" charset="0"/>
+                <a:cs typeface="Times New Roman" panose="02020603050405020304" pitchFamily="18" charset="0"/>
+              </a:rPr>
+              <a:t>| SAHAJCODE.COM</a:t>
+            </a:r>
+            <a:endParaRPr lang="en-IN" sz="1000" spc="120" baseline="0" dirty="0">
+              <a:solidFill>
+                <a:schemeClr val="tx2">
+                  <a:lumMod val="90000"/>
+                  <a:lumOff val="10000"/>
+                </a:schemeClr>
+              </a:solidFill>
+              <a:effectLst/>
+              <a:latin typeface="American Typewriter" panose="02090604020004020304" pitchFamily="18" charset="77"/>
+              <a:ea typeface="Calibri" panose="020F0502020204030204" pitchFamily="34" charset="0"/>
+              <a:cs typeface="Times New Roman" panose="02020603050405020304" pitchFamily="18" charset="0"/>
+            </a:endParaRPr>
+          </a:p>
+        </p:txBody>
+      </p:sp>
+    </p:spTree>
+    <p:extLst>
+      <p:ext uri="{BB962C8B-B14F-4D97-AF65-F5344CB8AC3E}">
+        <p14:creationId xmlns:p14="http://schemas.microsoft.com/office/powerpoint/2010/main" val="3473255949"/>
+      </p:ext>
+    </p:extLst>
+  </p:cSld>
+  <p:clrMapOvr>
+    <a:masterClrMapping/>
+  </p:clrMapOvr>
+</p:sldLayout>
+</file>
+
+<file path=ppt/slideLayouts/slideLayout14.xml><?xml version="1.0" encoding="utf-8"?>
 <p:sldLayout xmlns:a="http://schemas.openxmlformats.org/drawingml/2006/main" xmlns:r="http://schemas.openxmlformats.org/officeDocument/2006/relationships" xmlns:p="http://schemas.openxmlformats.org/presentationml/2006/main" type="titleOnly" preserve="1">
   <p:cSld name="1_Title Only">
     <p:spTree>
@@ -643,7 +1905,7 @@
 </p:sldLayout>
 </file>
 
-<file path=ppt/slideLayouts/slideLayout11.xml><?xml version="1.0" encoding="utf-8"?>
+<file path=ppt/slideLayouts/slideLayout15.xml><?xml version="1.0" encoding="utf-8"?>
 <p:sldLayout xmlns:a="http://schemas.openxmlformats.org/drawingml/2006/main" xmlns:r="http://schemas.openxmlformats.org/officeDocument/2006/relationships" xmlns:p="http://schemas.openxmlformats.org/presentationml/2006/main" type="blank" preserve="1">
   <p:cSld name="Blank">
     <p:spTree>
@@ -799,7 +2061,7 @@
 </p:sldLayout>
 </file>
 
-<file path=ppt/slideLayouts/slideLayout12.xml><?xml version="1.0" encoding="utf-8"?>
+<file path=ppt/slideLayouts/slideLayout16.xml><?xml version="1.0" encoding="utf-8"?>
 <p:sldLayout xmlns:a="http://schemas.openxmlformats.org/drawingml/2006/main" xmlns:r="http://schemas.openxmlformats.org/officeDocument/2006/relationships" xmlns:p="http://schemas.openxmlformats.org/presentationml/2006/main" type="blank" preserve="1">
   <p:cSld name="3_Blank">
     <p:spTree>
@@ -923,7 +2185,7 @@
 </p:sldLayout>
 </file>
 
-<file path=ppt/slideLayouts/slideLayout13.xml><?xml version="1.0" encoding="utf-8"?>
+<file path=ppt/slideLayouts/slideLayout17.xml><?xml version="1.0" encoding="utf-8"?>
 <p:sldLayout xmlns:a="http://schemas.openxmlformats.org/drawingml/2006/main" xmlns:r="http://schemas.openxmlformats.org/officeDocument/2006/relationships" xmlns:p="http://schemas.openxmlformats.org/presentationml/2006/main" type="blank" preserve="1">
   <p:cSld name="1_Blank">
     <p:spTree>
@@ -953,7 +2215,7 @@
 </p:sldLayout>
 </file>
 
-<file path=ppt/slideLayouts/slideLayout14.xml><?xml version="1.0" encoding="utf-8"?>
+<file path=ppt/slideLayouts/slideLayout18.xml><?xml version="1.0" encoding="utf-8"?>
 <p:sldLayout xmlns:a="http://schemas.openxmlformats.org/drawingml/2006/main" xmlns:r="http://schemas.openxmlformats.org/officeDocument/2006/relationships" xmlns:p="http://schemas.openxmlformats.org/presentationml/2006/main" preserve="1" userDrawn="1">
   <p:cSld name="4_Blank">
     <p:spTree>
@@ -1165,7 +2427,7 @@
         </p:nvGrpSpPr>
         <p:grpSpPr>
           <a:xfrm>
-            <a:off x="864189" y="5016030"/>
+            <a:off x="864189" y="5082290"/>
             <a:ext cx="3416708" cy="646331"/>
             <a:chOff x="722580" y="4216449"/>
             <a:chExt cx="3416708" cy="646331"/>
@@ -1289,7 +2551,7 @@
         </p:nvGrpSpPr>
         <p:grpSpPr>
           <a:xfrm>
-            <a:off x="1467320" y="5857153"/>
+            <a:off x="1467320" y="5923413"/>
             <a:ext cx="2210446" cy="450000"/>
             <a:chOff x="743035" y="4954235"/>
             <a:chExt cx="2210446" cy="450000"/>
@@ -1415,7 +2677,7 @@
         </p:blipFill>
         <p:spPr>
           <a:xfrm>
-            <a:off x="2034343" y="2685289"/>
+            <a:off x="2034343" y="2592525"/>
             <a:ext cx="1080000" cy="1080000"/>
           </a:xfrm>
           <a:prstGeom prst="rect">
@@ -1468,6 +2730,44 @@
               <a:t>TITLE</a:t>
             </a:r>
             <a:endParaRPr lang="en-US" dirty="0"/>
+          </a:p>
+        </p:txBody>
+      </p:sp>
+      <p:sp>
+        <p:nvSpPr>
+          <p:cNvPr id="4" name="Picture Placeholder 11">
+            <a:extLst>
+              <a:ext uri="{FF2B5EF4-FFF2-40B4-BE49-F238E27FC236}">
+                <a16:creationId xmlns:a16="http://schemas.microsoft.com/office/drawing/2014/main" id="{4B77E504-784B-B07C-550D-1B15D8454898}"/>
+              </a:ext>
+            </a:extLst>
+          </p:cNvPr>
+          <p:cNvSpPr>
+            <a:spLocks noGrp="1" noChangeAspect="1"/>
+          </p:cNvSpPr>
+          <p:nvPr>
+            <p:ph type="pic" sz="quarter" idx="11" hasCustomPrompt="1"/>
+          </p:nvPr>
+        </p:nvSpPr>
+        <p:spPr>
+          <a:xfrm>
+            <a:off x="966053" y="3841850"/>
+            <a:ext cx="630000" cy="617323"/>
+          </a:xfrm>
+        </p:spPr>
+        <p:txBody>
+          <a:bodyPr/>
+          <a:lstStyle>
+            <a:lvl1pPr marL="0" indent="0" algn="ctr">
+              <a:buNone/>
+              <a:defRPr sz="1000"/>
+            </a:lvl1pPr>
+          </a:lstStyle>
+          <a:p>
+            <a:r>
+              <a:rPr lang="en-US" dirty="0"/>
+              <a:t>IMG</a:t>
+            </a:r>
           </a:p>
         </p:txBody>
       </p:sp>
@@ -1774,63 +3074,6 @@
           <a:chExt cx="0" cy="0"/>
         </a:xfrm>
       </p:grpSpPr>
-      <p:sp>
-        <p:nvSpPr>
-          <p:cNvPr id="3" name="Content Placeholder 2"/>
-          <p:cNvSpPr>
-            <a:spLocks noGrp="1"/>
-          </p:cNvSpPr>
-          <p:nvPr>
-            <p:ph idx="1"/>
-          </p:nvPr>
-        </p:nvSpPr>
-        <p:spPr>
-          <a:xfrm>
-            <a:off x="353725" y="1725535"/>
-            <a:ext cx="4437638" cy="6510104"/>
-          </a:xfrm>
-        </p:spPr>
-        <p:txBody>
-          <a:bodyPr/>
-          <a:lstStyle/>
-          <a:p>
-            <a:pPr lvl="0"/>
-            <a:r>
-              <a:rPr lang="en-GB"/>
-              <a:t>Click to edit Master text styles</a:t>
-            </a:r>
-          </a:p>
-          <a:p>
-            <a:pPr lvl="1"/>
-            <a:r>
-              <a:rPr lang="en-GB"/>
-              <a:t>Second level</a:t>
-            </a:r>
-          </a:p>
-          <a:p>
-            <a:pPr lvl="2"/>
-            <a:r>
-              <a:rPr lang="en-GB"/>
-              <a:t>Third level</a:t>
-            </a:r>
-          </a:p>
-          <a:p>
-            <a:pPr lvl="3"/>
-            <a:r>
-              <a:rPr lang="en-GB"/>
-              <a:t>Fourth level</a:t>
-            </a:r>
-          </a:p>
-          <a:p>
-            <a:pPr lvl="4"/>
-            <a:r>
-              <a:rPr lang="en-GB"/>
-              <a:t>Fifth level</a:t>
-            </a:r>
-            <a:endParaRPr lang="en-US" dirty="0"/>
-          </a:p>
-        </p:txBody>
-      </p:sp>
       <p:pic>
         <p:nvPicPr>
           <p:cNvPr id="7" name="Picture 6">
@@ -1863,6 +3106,63 @@
           </a:prstGeom>
         </p:spPr>
       </p:pic>
+      <p:sp>
+        <p:nvSpPr>
+          <p:cNvPr id="3" name="Content Placeholder 2"/>
+          <p:cNvSpPr>
+            <a:spLocks noGrp="1"/>
+          </p:cNvSpPr>
+          <p:nvPr>
+            <p:ph idx="1"/>
+          </p:nvPr>
+        </p:nvSpPr>
+        <p:spPr>
+          <a:xfrm>
+            <a:off x="353725" y="1725535"/>
+            <a:ext cx="4437638" cy="6510104"/>
+          </a:xfrm>
+        </p:spPr>
+        <p:txBody>
+          <a:bodyPr/>
+          <a:lstStyle/>
+          <a:p>
+            <a:pPr lvl="0"/>
+            <a:r>
+              <a:rPr lang="en-GB"/>
+              <a:t>Click to edit Master text styles</a:t>
+            </a:r>
+          </a:p>
+          <a:p>
+            <a:pPr lvl="1"/>
+            <a:r>
+              <a:rPr lang="en-GB"/>
+              <a:t>Second level</a:t>
+            </a:r>
+          </a:p>
+          <a:p>
+            <a:pPr lvl="2"/>
+            <a:r>
+              <a:rPr lang="en-GB"/>
+              <a:t>Third level</a:t>
+            </a:r>
+          </a:p>
+          <a:p>
+            <a:pPr lvl="3"/>
+            <a:r>
+              <a:rPr lang="en-GB"/>
+              <a:t>Fourth level</a:t>
+            </a:r>
+          </a:p>
+          <a:p>
+            <a:pPr lvl="4"/>
+            <a:r>
+              <a:rPr lang="en-GB"/>
+              <a:t>Fifth level</a:t>
+            </a:r>
+            <a:endParaRPr lang="en-US" dirty="0"/>
+          </a:p>
+        </p:txBody>
+      </p:sp>
       <p:sp>
         <p:nvSpPr>
           <p:cNvPr id="2" name="Title 1"/>
@@ -2198,6 +3498,1092 @@
 </file>
 
 <file path=ppt/slideLayouts/slideLayout5.xml><?xml version="1.0" encoding="utf-8"?>
+<p:sldLayout xmlns:a="http://schemas.openxmlformats.org/drawingml/2006/main" xmlns:r="http://schemas.openxmlformats.org/officeDocument/2006/relationships" xmlns:p="http://schemas.openxmlformats.org/presentationml/2006/main" preserve="1" userDrawn="1">
+  <p:cSld name="4_Title and Content">
+    <p:spTree>
+      <p:nvGrpSpPr>
+        <p:cNvPr id="1" name=""/>
+        <p:cNvGrpSpPr/>
+        <p:nvPr/>
+      </p:nvGrpSpPr>
+      <p:grpSpPr>
+        <a:xfrm>
+          <a:off x="0" y="0"/>
+          <a:ext cx="0" cy="0"/>
+          <a:chOff x="0" y="0"/>
+          <a:chExt cx="0" cy="0"/>
+        </a:xfrm>
+      </p:grpSpPr>
+      <p:pic>
+        <p:nvPicPr>
+          <p:cNvPr id="8" name="Picture 7">
+            <a:extLst>
+              <a:ext uri="{FF2B5EF4-FFF2-40B4-BE49-F238E27FC236}">
+                <a16:creationId xmlns:a16="http://schemas.microsoft.com/office/drawing/2014/main" id="{47481A80-2D19-AD4B-552B-D56A6DE5BD99}"/>
+              </a:ext>
+            </a:extLst>
+          </p:cNvPr>
+          <p:cNvPicPr>
+            <a:picLocks noChangeAspect="1"/>
+          </p:cNvPicPr>
+          <p:nvPr userDrawn="1"/>
+        </p:nvPicPr>
+        <p:blipFill>
+          <a:blip r:embed="rId2">
+            <a:alphaModFix amt="5000"/>
+          </a:blip>
+          <a:stretch>
+            <a:fillRect/>
+          </a:stretch>
+        </p:blipFill>
+        <p:spPr>
+          <a:xfrm>
+            <a:off x="952544" y="2952000"/>
+            <a:ext cx="3240000" cy="3240000"/>
+          </a:xfrm>
+          <a:prstGeom prst="rect">
+            <a:avLst/>
+          </a:prstGeom>
+        </p:spPr>
+      </p:pic>
+      <p:sp>
+        <p:nvSpPr>
+          <p:cNvPr id="3" name="Content Placeholder 2"/>
+          <p:cNvSpPr>
+            <a:spLocks noGrp="1"/>
+          </p:cNvSpPr>
+          <p:nvPr>
+            <p:ph idx="1"/>
+          </p:nvPr>
+        </p:nvSpPr>
+        <p:spPr>
+          <a:xfrm>
+            <a:off x="353725" y="5118095"/>
+            <a:ext cx="4437638" cy="3124757"/>
+          </a:xfrm>
+        </p:spPr>
+        <p:txBody>
+          <a:bodyPr/>
+          <a:lstStyle/>
+          <a:p>
+            <a:pPr lvl="0"/>
+            <a:r>
+              <a:rPr lang="en-GB"/>
+              <a:t>Click to edit Master text styles</a:t>
+            </a:r>
+          </a:p>
+          <a:p>
+            <a:pPr lvl="1"/>
+            <a:r>
+              <a:rPr lang="en-GB"/>
+              <a:t>Second level</a:t>
+            </a:r>
+          </a:p>
+          <a:p>
+            <a:pPr lvl="2"/>
+            <a:r>
+              <a:rPr lang="en-GB"/>
+              <a:t>Third level</a:t>
+            </a:r>
+          </a:p>
+          <a:p>
+            <a:pPr lvl="3"/>
+            <a:r>
+              <a:rPr lang="en-GB"/>
+              <a:t>Fourth level</a:t>
+            </a:r>
+          </a:p>
+          <a:p>
+            <a:pPr lvl="4"/>
+            <a:r>
+              <a:rPr lang="en-GB"/>
+              <a:t>Fifth level</a:t>
+            </a:r>
+            <a:endParaRPr lang="en-US" dirty="0"/>
+          </a:p>
+        </p:txBody>
+      </p:sp>
+      <p:sp>
+        <p:nvSpPr>
+          <p:cNvPr id="5" name="TextBox 4">
+            <a:extLst>
+              <a:ext uri="{FF2B5EF4-FFF2-40B4-BE49-F238E27FC236}">
+                <a16:creationId xmlns:a16="http://schemas.microsoft.com/office/drawing/2014/main" id="{6DE92F02-5D9F-9C31-17F7-91DF3CEA44BE}"/>
+              </a:ext>
+            </a:extLst>
+          </p:cNvPr>
+          <p:cNvSpPr txBox="1"/>
+          <p:nvPr userDrawn="1"/>
+        </p:nvSpPr>
+        <p:spPr>
+          <a:xfrm>
+            <a:off x="1730965" y="8588057"/>
+            <a:ext cx="2181600" cy="252000"/>
+          </a:xfrm>
+          <a:prstGeom prst="rect">
+            <a:avLst/>
+          </a:prstGeom>
+          <a:noFill/>
+        </p:spPr>
+        <p:txBody>
+          <a:bodyPr wrap="square" rtlCol="0">
+            <a:spAutoFit/>
+          </a:bodyPr>
+          <a:lstStyle/>
+          <a:p>
+            <a:pPr algn="ctr">
+              <a:tabLst>
+                <a:tab pos="2865755" algn="ctr"/>
+                <a:tab pos="5731510" algn="r"/>
+              </a:tabLst>
+            </a:pPr>
+            <a:r>
+              <a:rPr lang="hi-IN" sz="1000" b="0" i="0" spc="120" baseline="0" dirty="0">
+                <a:solidFill>
+                  <a:schemeClr val="tx2">
+                    <a:lumMod val="90000"/>
+                    <a:lumOff val="10000"/>
+                  </a:schemeClr>
+                </a:solidFill>
+                <a:effectLst/>
+                <a:latin typeface="American Typewriter" panose="02090604020004020304" pitchFamily="18" charset="77"/>
+                <a:ea typeface="Calibri" panose="020F0502020204030204" pitchFamily="34" charset="0"/>
+                <a:cs typeface="Kohinoor Devanagari Light" panose="02000000000000000000" pitchFamily="2" charset="77"/>
+              </a:rPr>
+              <a:t>सहजकोड</a:t>
+            </a:r>
+            <a:r>
+              <a:rPr lang="en-US" sz="1000" b="0" i="0" spc="120" baseline="0" dirty="0">
+                <a:solidFill>
+                  <a:schemeClr val="tx2">
+                    <a:lumMod val="90000"/>
+                    <a:lumOff val="10000"/>
+                  </a:schemeClr>
+                </a:solidFill>
+                <a:effectLst/>
+                <a:latin typeface="American Typewriter" panose="02090604020004020304" pitchFamily="18" charset="77"/>
+                <a:ea typeface="Calibri" panose="020F0502020204030204" pitchFamily="34" charset="0"/>
+                <a:cs typeface="Kohinoor Devanagari Light" panose="02000000000000000000" pitchFamily="2" charset="77"/>
+              </a:rPr>
+              <a:t> </a:t>
+            </a:r>
+            <a:r>
+              <a:rPr lang="en-US" sz="1000" spc="120" baseline="0" dirty="0">
+                <a:solidFill>
+                  <a:schemeClr val="tx2">
+                    <a:lumMod val="90000"/>
+                    <a:lumOff val="10000"/>
+                  </a:schemeClr>
+                </a:solidFill>
+                <a:effectLst/>
+                <a:latin typeface="American Typewriter" panose="02090604020004020304" pitchFamily="18" charset="77"/>
+                <a:ea typeface="Calibri" panose="020F0502020204030204" pitchFamily="34" charset="0"/>
+                <a:cs typeface="Times New Roman" panose="02020603050405020304" pitchFamily="18" charset="0"/>
+              </a:rPr>
+              <a:t>| SAHAJCODE.COM</a:t>
+            </a:r>
+            <a:endParaRPr lang="en-IN" sz="1000" spc="120" baseline="0" dirty="0">
+              <a:solidFill>
+                <a:schemeClr val="tx2">
+                  <a:lumMod val="90000"/>
+                  <a:lumOff val="10000"/>
+                </a:schemeClr>
+              </a:solidFill>
+              <a:effectLst/>
+              <a:latin typeface="American Typewriter" panose="02090604020004020304" pitchFamily="18" charset="77"/>
+              <a:ea typeface="Calibri" panose="020F0502020204030204" pitchFamily="34" charset="0"/>
+              <a:cs typeface="Times New Roman" panose="02020603050405020304" pitchFamily="18" charset="0"/>
+            </a:endParaRPr>
+          </a:p>
+        </p:txBody>
+      </p:sp>
+      <p:sp>
+        <p:nvSpPr>
+          <p:cNvPr id="6" name="Content Placeholder 2">
+            <a:extLst>
+              <a:ext uri="{FF2B5EF4-FFF2-40B4-BE49-F238E27FC236}">
+                <a16:creationId xmlns:a16="http://schemas.microsoft.com/office/drawing/2014/main" id="{CD919401-E0A0-D9B6-2036-EEE33BE9B7EB}"/>
+              </a:ext>
+            </a:extLst>
+          </p:cNvPr>
+          <p:cNvSpPr>
+            <a:spLocks noGrp="1"/>
+          </p:cNvSpPr>
+          <p:nvPr>
+            <p:ph idx="10"/>
+          </p:nvPr>
+        </p:nvSpPr>
+        <p:spPr>
+          <a:xfrm>
+            <a:off x="353725" y="993383"/>
+            <a:ext cx="4437638" cy="3124757"/>
+          </a:xfrm>
+        </p:spPr>
+        <p:txBody>
+          <a:bodyPr/>
+          <a:lstStyle/>
+          <a:p>
+            <a:pPr lvl="0"/>
+            <a:r>
+              <a:rPr lang="en-GB"/>
+              <a:t>Click to edit Master text styles</a:t>
+            </a:r>
+          </a:p>
+          <a:p>
+            <a:pPr lvl="1"/>
+            <a:r>
+              <a:rPr lang="en-GB"/>
+              <a:t>Second level</a:t>
+            </a:r>
+          </a:p>
+          <a:p>
+            <a:pPr lvl="2"/>
+            <a:r>
+              <a:rPr lang="en-GB"/>
+              <a:t>Third level</a:t>
+            </a:r>
+          </a:p>
+          <a:p>
+            <a:pPr lvl="3"/>
+            <a:r>
+              <a:rPr lang="en-GB"/>
+              <a:t>Fourth level</a:t>
+            </a:r>
+          </a:p>
+          <a:p>
+            <a:pPr lvl="4"/>
+            <a:r>
+              <a:rPr lang="en-GB"/>
+              <a:t>Fifth level</a:t>
+            </a:r>
+            <a:endParaRPr lang="en-US" dirty="0"/>
+          </a:p>
+        </p:txBody>
+      </p:sp>
+      <p:sp>
+        <p:nvSpPr>
+          <p:cNvPr id="7" name="Title 1">
+            <a:extLst>
+              <a:ext uri="{FF2B5EF4-FFF2-40B4-BE49-F238E27FC236}">
+                <a16:creationId xmlns:a16="http://schemas.microsoft.com/office/drawing/2014/main" id="{F338AEBC-6E69-AADE-FDC5-9CA8A4741B4E}"/>
+              </a:ext>
+            </a:extLst>
+          </p:cNvPr>
+          <p:cNvSpPr>
+            <a:spLocks noGrp="1"/>
+          </p:cNvSpPr>
+          <p:nvPr>
+            <p:ph type="ctrTitle" hasCustomPrompt="1"/>
+          </p:nvPr>
+        </p:nvSpPr>
+        <p:spPr>
+          <a:xfrm>
+            <a:off x="353725" y="4303117"/>
+            <a:ext cx="4437637" cy="630000"/>
+          </a:xfrm>
+        </p:spPr>
+        <p:txBody>
+          <a:bodyPr anchor="ctr">
+            <a:normAutofit/>
+          </a:bodyPr>
+          <a:lstStyle>
+            <a:lvl1pPr algn="ctr">
+              <a:defRPr sz="4000" b="1" i="0" spc="300">
+                <a:solidFill>
+                  <a:schemeClr val="tx2">
+                    <a:lumMod val="90000"/>
+                    <a:lumOff val="10000"/>
+                  </a:schemeClr>
+                </a:solidFill>
+                <a:latin typeface="American Typewriter Semibold" panose="02090604020004020304" pitchFamily="18" charset="77"/>
+              </a:defRPr>
+            </a:lvl1pPr>
+          </a:lstStyle>
+          <a:p>
+            <a:r>
+              <a:rPr lang="en-GB" dirty="0"/>
+              <a:t>TITLE</a:t>
+            </a:r>
+            <a:endParaRPr lang="en-US" dirty="0"/>
+          </a:p>
+        </p:txBody>
+      </p:sp>
+      <p:sp>
+        <p:nvSpPr>
+          <p:cNvPr id="12" name="Picture Placeholder 11">
+            <a:extLst>
+              <a:ext uri="{FF2B5EF4-FFF2-40B4-BE49-F238E27FC236}">
+                <a16:creationId xmlns:a16="http://schemas.microsoft.com/office/drawing/2014/main" id="{F3281462-448C-DEFD-B19E-59C725126D17}"/>
+              </a:ext>
+            </a:extLst>
+          </p:cNvPr>
+          <p:cNvSpPr>
+            <a:spLocks noGrp="1" noChangeAspect="1"/>
+          </p:cNvSpPr>
+          <p:nvPr>
+            <p:ph type="pic" sz="quarter" idx="11" hasCustomPrompt="1"/>
+          </p:nvPr>
+        </p:nvSpPr>
+        <p:spPr>
+          <a:xfrm>
+            <a:off x="952544" y="4303117"/>
+            <a:ext cx="630000" cy="617323"/>
+          </a:xfrm>
+        </p:spPr>
+        <p:txBody>
+          <a:bodyPr/>
+          <a:lstStyle>
+            <a:lvl1pPr marL="0" indent="0" algn="ctr">
+              <a:buNone/>
+              <a:defRPr sz="1000"/>
+            </a:lvl1pPr>
+          </a:lstStyle>
+          <a:p>
+            <a:r>
+              <a:rPr lang="en-US" dirty="0"/>
+              <a:t>IMG</a:t>
+            </a:r>
+          </a:p>
+        </p:txBody>
+      </p:sp>
+    </p:spTree>
+    <p:extLst>
+      <p:ext uri="{BB962C8B-B14F-4D97-AF65-F5344CB8AC3E}">
+        <p14:creationId xmlns:p14="http://schemas.microsoft.com/office/powerpoint/2010/main" val="3155915217"/>
+      </p:ext>
+    </p:extLst>
+  </p:cSld>
+  <p:clrMapOvr>
+    <a:masterClrMapping/>
+  </p:clrMapOvr>
+</p:sldLayout>
+</file>
+
+<file path=ppt/slideLayouts/slideLayout6.xml><?xml version="1.0" encoding="utf-8"?>
+<p:sldLayout xmlns:a="http://schemas.openxmlformats.org/drawingml/2006/main" xmlns:r="http://schemas.openxmlformats.org/officeDocument/2006/relationships" xmlns:p="http://schemas.openxmlformats.org/presentationml/2006/main" preserve="1" userDrawn="1">
+  <p:cSld name="5_Title and Content">
+    <p:spTree>
+      <p:nvGrpSpPr>
+        <p:cNvPr id="1" name=""/>
+        <p:cNvGrpSpPr/>
+        <p:nvPr/>
+      </p:nvGrpSpPr>
+      <p:grpSpPr>
+        <a:xfrm>
+          <a:off x="0" y="0"/>
+          <a:ext cx="0" cy="0"/>
+          <a:chOff x="0" y="0"/>
+          <a:chExt cx="0" cy="0"/>
+        </a:xfrm>
+      </p:grpSpPr>
+      <p:sp>
+        <p:nvSpPr>
+          <p:cNvPr id="3" name="Content Placeholder 2"/>
+          <p:cNvSpPr>
+            <a:spLocks noGrp="1"/>
+          </p:cNvSpPr>
+          <p:nvPr>
+            <p:ph idx="1"/>
+          </p:nvPr>
+        </p:nvSpPr>
+        <p:spPr>
+          <a:xfrm>
+            <a:off x="353725" y="5118095"/>
+            <a:ext cx="4437638" cy="3124757"/>
+          </a:xfrm>
+        </p:spPr>
+        <p:txBody>
+          <a:bodyPr/>
+          <a:lstStyle/>
+          <a:p>
+            <a:pPr lvl="0"/>
+            <a:r>
+              <a:rPr lang="en-GB"/>
+              <a:t>Click to edit Master text styles</a:t>
+            </a:r>
+          </a:p>
+          <a:p>
+            <a:pPr lvl="1"/>
+            <a:r>
+              <a:rPr lang="en-GB"/>
+              <a:t>Second level</a:t>
+            </a:r>
+          </a:p>
+          <a:p>
+            <a:pPr lvl="2"/>
+            <a:r>
+              <a:rPr lang="en-GB"/>
+              <a:t>Third level</a:t>
+            </a:r>
+          </a:p>
+          <a:p>
+            <a:pPr lvl="3"/>
+            <a:r>
+              <a:rPr lang="en-GB"/>
+              <a:t>Fourth level</a:t>
+            </a:r>
+          </a:p>
+          <a:p>
+            <a:pPr lvl="4"/>
+            <a:r>
+              <a:rPr lang="en-GB"/>
+              <a:t>Fifth level</a:t>
+            </a:r>
+            <a:endParaRPr lang="en-US" dirty="0"/>
+          </a:p>
+        </p:txBody>
+      </p:sp>
+      <p:sp>
+        <p:nvSpPr>
+          <p:cNvPr id="5" name="TextBox 4">
+            <a:extLst>
+              <a:ext uri="{FF2B5EF4-FFF2-40B4-BE49-F238E27FC236}">
+                <a16:creationId xmlns:a16="http://schemas.microsoft.com/office/drawing/2014/main" id="{6DE92F02-5D9F-9C31-17F7-91DF3CEA44BE}"/>
+              </a:ext>
+            </a:extLst>
+          </p:cNvPr>
+          <p:cNvSpPr txBox="1"/>
+          <p:nvPr userDrawn="1"/>
+        </p:nvSpPr>
+        <p:spPr>
+          <a:xfrm>
+            <a:off x="1730965" y="8588057"/>
+            <a:ext cx="2181600" cy="252000"/>
+          </a:xfrm>
+          <a:prstGeom prst="rect">
+            <a:avLst/>
+          </a:prstGeom>
+          <a:noFill/>
+        </p:spPr>
+        <p:txBody>
+          <a:bodyPr wrap="square" rtlCol="0">
+            <a:spAutoFit/>
+          </a:bodyPr>
+          <a:lstStyle/>
+          <a:p>
+            <a:pPr algn="ctr">
+              <a:tabLst>
+                <a:tab pos="2865755" algn="ctr"/>
+                <a:tab pos="5731510" algn="r"/>
+              </a:tabLst>
+            </a:pPr>
+            <a:r>
+              <a:rPr lang="hi-IN" sz="1000" b="0" i="0" spc="120" baseline="0" dirty="0">
+                <a:solidFill>
+                  <a:schemeClr val="tx2">
+                    <a:lumMod val="90000"/>
+                    <a:lumOff val="10000"/>
+                  </a:schemeClr>
+                </a:solidFill>
+                <a:effectLst/>
+                <a:latin typeface="American Typewriter" panose="02090604020004020304" pitchFamily="18" charset="77"/>
+                <a:ea typeface="Calibri" panose="020F0502020204030204" pitchFamily="34" charset="0"/>
+                <a:cs typeface="Kohinoor Devanagari Light" panose="02000000000000000000" pitchFamily="2" charset="77"/>
+              </a:rPr>
+              <a:t>सहजकोड</a:t>
+            </a:r>
+            <a:r>
+              <a:rPr lang="en-US" sz="1000" b="0" i="0" spc="120" baseline="0" dirty="0">
+                <a:solidFill>
+                  <a:schemeClr val="tx2">
+                    <a:lumMod val="90000"/>
+                    <a:lumOff val="10000"/>
+                  </a:schemeClr>
+                </a:solidFill>
+                <a:effectLst/>
+                <a:latin typeface="American Typewriter" panose="02090604020004020304" pitchFamily="18" charset="77"/>
+                <a:ea typeface="Calibri" panose="020F0502020204030204" pitchFamily="34" charset="0"/>
+                <a:cs typeface="Kohinoor Devanagari Light" panose="02000000000000000000" pitchFamily="2" charset="77"/>
+              </a:rPr>
+              <a:t> </a:t>
+            </a:r>
+            <a:r>
+              <a:rPr lang="en-US" sz="1000" spc="120" baseline="0" dirty="0">
+                <a:solidFill>
+                  <a:schemeClr val="tx2">
+                    <a:lumMod val="90000"/>
+                    <a:lumOff val="10000"/>
+                  </a:schemeClr>
+                </a:solidFill>
+                <a:effectLst/>
+                <a:latin typeface="American Typewriter" panose="02090604020004020304" pitchFamily="18" charset="77"/>
+                <a:ea typeface="Calibri" panose="020F0502020204030204" pitchFamily="34" charset="0"/>
+                <a:cs typeface="Times New Roman" panose="02020603050405020304" pitchFamily="18" charset="0"/>
+              </a:rPr>
+              <a:t>| SAHAJCODE.COM</a:t>
+            </a:r>
+            <a:endParaRPr lang="en-IN" sz="1000" spc="120" baseline="0" dirty="0">
+              <a:solidFill>
+                <a:schemeClr val="tx2">
+                  <a:lumMod val="90000"/>
+                  <a:lumOff val="10000"/>
+                </a:schemeClr>
+              </a:solidFill>
+              <a:effectLst/>
+              <a:latin typeface="American Typewriter" panose="02090604020004020304" pitchFamily="18" charset="77"/>
+              <a:ea typeface="Calibri" panose="020F0502020204030204" pitchFamily="34" charset="0"/>
+              <a:cs typeface="Times New Roman" panose="02020603050405020304" pitchFamily="18" charset="0"/>
+            </a:endParaRPr>
+          </a:p>
+        </p:txBody>
+      </p:sp>
+      <p:sp>
+        <p:nvSpPr>
+          <p:cNvPr id="6" name="Content Placeholder 2">
+            <a:extLst>
+              <a:ext uri="{FF2B5EF4-FFF2-40B4-BE49-F238E27FC236}">
+                <a16:creationId xmlns:a16="http://schemas.microsoft.com/office/drawing/2014/main" id="{CD919401-E0A0-D9B6-2036-EEE33BE9B7EB}"/>
+              </a:ext>
+            </a:extLst>
+          </p:cNvPr>
+          <p:cNvSpPr>
+            <a:spLocks noGrp="1"/>
+          </p:cNvSpPr>
+          <p:nvPr>
+            <p:ph idx="10"/>
+          </p:nvPr>
+        </p:nvSpPr>
+        <p:spPr>
+          <a:xfrm>
+            <a:off x="353725" y="993383"/>
+            <a:ext cx="4437638" cy="3124757"/>
+          </a:xfrm>
+        </p:spPr>
+        <p:txBody>
+          <a:bodyPr/>
+          <a:lstStyle/>
+          <a:p>
+            <a:pPr lvl="0"/>
+            <a:r>
+              <a:rPr lang="en-GB"/>
+              <a:t>Click to edit Master text styles</a:t>
+            </a:r>
+          </a:p>
+          <a:p>
+            <a:pPr lvl="1"/>
+            <a:r>
+              <a:rPr lang="en-GB"/>
+              <a:t>Second level</a:t>
+            </a:r>
+          </a:p>
+          <a:p>
+            <a:pPr lvl="2"/>
+            <a:r>
+              <a:rPr lang="en-GB"/>
+              <a:t>Third level</a:t>
+            </a:r>
+          </a:p>
+          <a:p>
+            <a:pPr lvl="3"/>
+            <a:r>
+              <a:rPr lang="en-GB"/>
+              <a:t>Fourth level</a:t>
+            </a:r>
+          </a:p>
+          <a:p>
+            <a:pPr lvl="4"/>
+            <a:r>
+              <a:rPr lang="en-GB"/>
+              <a:t>Fifth level</a:t>
+            </a:r>
+            <a:endParaRPr lang="en-US" dirty="0"/>
+          </a:p>
+        </p:txBody>
+      </p:sp>
+      <p:sp>
+        <p:nvSpPr>
+          <p:cNvPr id="7" name="Title 1">
+            <a:extLst>
+              <a:ext uri="{FF2B5EF4-FFF2-40B4-BE49-F238E27FC236}">
+                <a16:creationId xmlns:a16="http://schemas.microsoft.com/office/drawing/2014/main" id="{F338AEBC-6E69-AADE-FDC5-9CA8A4741B4E}"/>
+              </a:ext>
+            </a:extLst>
+          </p:cNvPr>
+          <p:cNvSpPr>
+            <a:spLocks noGrp="1"/>
+          </p:cNvSpPr>
+          <p:nvPr>
+            <p:ph type="ctrTitle" hasCustomPrompt="1"/>
+          </p:nvPr>
+        </p:nvSpPr>
+        <p:spPr>
+          <a:xfrm>
+            <a:off x="353725" y="4303117"/>
+            <a:ext cx="4437637" cy="630000"/>
+          </a:xfrm>
+        </p:spPr>
+        <p:txBody>
+          <a:bodyPr anchor="ctr">
+            <a:normAutofit/>
+          </a:bodyPr>
+          <a:lstStyle>
+            <a:lvl1pPr algn="ctr">
+              <a:defRPr sz="4000" b="1" i="0" spc="300">
+                <a:solidFill>
+                  <a:schemeClr val="tx2">
+                    <a:lumMod val="90000"/>
+                    <a:lumOff val="10000"/>
+                  </a:schemeClr>
+                </a:solidFill>
+                <a:latin typeface="American Typewriter Semibold" panose="02090604020004020304" pitchFamily="18" charset="77"/>
+              </a:defRPr>
+            </a:lvl1pPr>
+          </a:lstStyle>
+          <a:p>
+            <a:r>
+              <a:rPr lang="en-GB" dirty="0"/>
+              <a:t>TITLE</a:t>
+            </a:r>
+            <a:endParaRPr lang="en-US" dirty="0"/>
+          </a:p>
+        </p:txBody>
+      </p:sp>
+      <p:sp>
+        <p:nvSpPr>
+          <p:cNvPr id="2" name="Picture Placeholder 11">
+            <a:extLst>
+              <a:ext uri="{FF2B5EF4-FFF2-40B4-BE49-F238E27FC236}">
+                <a16:creationId xmlns:a16="http://schemas.microsoft.com/office/drawing/2014/main" id="{3ECDA135-982D-3FDE-3E46-114AC68A8F6C}"/>
+              </a:ext>
+            </a:extLst>
+          </p:cNvPr>
+          <p:cNvSpPr>
+            <a:spLocks noGrp="1" noChangeAspect="1"/>
+          </p:cNvSpPr>
+          <p:nvPr>
+            <p:ph type="pic" sz="quarter" idx="11" hasCustomPrompt="1"/>
+          </p:nvPr>
+        </p:nvSpPr>
+        <p:spPr>
+          <a:xfrm>
+            <a:off x="952544" y="4303117"/>
+            <a:ext cx="630000" cy="617323"/>
+          </a:xfrm>
+        </p:spPr>
+        <p:txBody>
+          <a:bodyPr/>
+          <a:lstStyle>
+            <a:lvl1pPr marL="0" indent="0" algn="ctr">
+              <a:buNone/>
+              <a:defRPr sz="1000"/>
+            </a:lvl1pPr>
+          </a:lstStyle>
+          <a:p>
+            <a:r>
+              <a:rPr lang="en-US" dirty="0"/>
+              <a:t>IMG</a:t>
+            </a:r>
+          </a:p>
+        </p:txBody>
+      </p:sp>
+    </p:spTree>
+    <p:extLst>
+      <p:ext uri="{BB962C8B-B14F-4D97-AF65-F5344CB8AC3E}">
+        <p14:creationId xmlns:p14="http://schemas.microsoft.com/office/powerpoint/2010/main" val="2155209516"/>
+      </p:ext>
+    </p:extLst>
+  </p:cSld>
+  <p:clrMapOvr>
+    <a:masterClrMapping/>
+  </p:clrMapOvr>
+</p:sldLayout>
+</file>
+
+<file path=ppt/slideLayouts/slideLayout7.xml><?xml version="1.0" encoding="utf-8"?>
+<p:sldLayout xmlns:a="http://schemas.openxmlformats.org/drawingml/2006/main" xmlns:r="http://schemas.openxmlformats.org/officeDocument/2006/relationships" xmlns:p="http://schemas.openxmlformats.org/presentationml/2006/main" preserve="1" userDrawn="1">
+  <p:cSld name="2_Title and Content">
+    <p:spTree>
+      <p:nvGrpSpPr>
+        <p:cNvPr id="1" name=""/>
+        <p:cNvGrpSpPr/>
+        <p:nvPr/>
+      </p:nvGrpSpPr>
+      <p:grpSpPr>
+        <a:xfrm>
+          <a:off x="0" y="0"/>
+          <a:ext cx="0" cy="0"/>
+          <a:chOff x="0" y="0"/>
+          <a:chExt cx="0" cy="0"/>
+        </a:xfrm>
+      </p:grpSpPr>
+      <p:pic>
+        <p:nvPicPr>
+          <p:cNvPr id="4" name="Picture 3">
+            <a:extLst>
+              <a:ext uri="{FF2B5EF4-FFF2-40B4-BE49-F238E27FC236}">
+                <a16:creationId xmlns:a16="http://schemas.microsoft.com/office/drawing/2014/main" id="{361422C8-6025-9B7B-D019-75AA81A29D8E}"/>
+              </a:ext>
+            </a:extLst>
+          </p:cNvPr>
+          <p:cNvPicPr>
+            <a:picLocks noChangeAspect="1"/>
+          </p:cNvPicPr>
+          <p:nvPr userDrawn="1"/>
+        </p:nvPicPr>
+        <p:blipFill>
+          <a:blip r:embed="rId2">
+            <a:alphaModFix amt="5000"/>
+          </a:blip>
+          <a:stretch>
+            <a:fillRect/>
+          </a:stretch>
+        </p:blipFill>
+        <p:spPr>
+          <a:xfrm>
+            <a:off x="952544" y="2952000"/>
+            <a:ext cx="3240000" cy="3240000"/>
+          </a:xfrm>
+          <a:prstGeom prst="rect">
+            <a:avLst/>
+          </a:prstGeom>
+        </p:spPr>
+      </p:pic>
+      <p:sp>
+        <p:nvSpPr>
+          <p:cNvPr id="3" name="Content Placeholder 2"/>
+          <p:cNvSpPr>
+            <a:spLocks noGrp="1"/>
+          </p:cNvSpPr>
+          <p:nvPr>
+            <p:ph idx="1"/>
+          </p:nvPr>
+        </p:nvSpPr>
+        <p:spPr>
+          <a:xfrm>
+            <a:off x="353725" y="900495"/>
+            <a:ext cx="4437638" cy="7343010"/>
+          </a:xfrm>
+        </p:spPr>
+        <p:txBody>
+          <a:bodyPr/>
+          <a:lstStyle/>
+          <a:p>
+            <a:pPr lvl="0"/>
+            <a:r>
+              <a:rPr lang="en-GB"/>
+              <a:t>Click to edit Master text styles</a:t>
+            </a:r>
+          </a:p>
+          <a:p>
+            <a:pPr lvl="1"/>
+            <a:r>
+              <a:rPr lang="en-GB"/>
+              <a:t>Second level</a:t>
+            </a:r>
+          </a:p>
+          <a:p>
+            <a:pPr lvl="2"/>
+            <a:r>
+              <a:rPr lang="en-GB"/>
+              <a:t>Third level</a:t>
+            </a:r>
+          </a:p>
+          <a:p>
+            <a:pPr lvl="3"/>
+            <a:r>
+              <a:rPr lang="en-GB"/>
+              <a:t>Fourth level</a:t>
+            </a:r>
+          </a:p>
+          <a:p>
+            <a:pPr lvl="4"/>
+            <a:r>
+              <a:rPr lang="en-GB"/>
+              <a:t>Fifth level</a:t>
+            </a:r>
+            <a:endParaRPr lang="en-US" dirty="0"/>
+          </a:p>
+        </p:txBody>
+      </p:sp>
+      <p:sp>
+        <p:nvSpPr>
+          <p:cNvPr id="5" name="TextBox 4">
+            <a:extLst>
+              <a:ext uri="{FF2B5EF4-FFF2-40B4-BE49-F238E27FC236}">
+                <a16:creationId xmlns:a16="http://schemas.microsoft.com/office/drawing/2014/main" id="{6DE92F02-5D9F-9C31-17F7-91DF3CEA44BE}"/>
+              </a:ext>
+            </a:extLst>
+          </p:cNvPr>
+          <p:cNvSpPr txBox="1"/>
+          <p:nvPr userDrawn="1"/>
+        </p:nvSpPr>
+        <p:spPr>
+          <a:xfrm>
+            <a:off x="1730965" y="8588057"/>
+            <a:ext cx="2181600" cy="252000"/>
+          </a:xfrm>
+          <a:prstGeom prst="rect">
+            <a:avLst/>
+          </a:prstGeom>
+          <a:noFill/>
+        </p:spPr>
+        <p:txBody>
+          <a:bodyPr wrap="square" rtlCol="0">
+            <a:spAutoFit/>
+          </a:bodyPr>
+          <a:lstStyle/>
+          <a:p>
+            <a:pPr algn="ctr">
+              <a:tabLst>
+                <a:tab pos="2865755" algn="ctr"/>
+                <a:tab pos="5731510" algn="r"/>
+              </a:tabLst>
+            </a:pPr>
+            <a:r>
+              <a:rPr lang="hi-IN" sz="1000" b="0" i="0" spc="120" baseline="0" dirty="0">
+                <a:solidFill>
+                  <a:schemeClr val="tx2">
+                    <a:lumMod val="90000"/>
+                    <a:lumOff val="10000"/>
+                  </a:schemeClr>
+                </a:solidFill>
+                <a:effectLst/>
+                <a:latin typeface="American Typewriter" panose="02090604020004020304" pitchFamily="18" charset="77"/>
+                <a:ea typeface="Calibri" panose="020F0502020204030204" pitchFamily="34" charset="0"/>
+                <a:cs typeface="Kohinoor Devanagari Light" panose="02000000000000000000" pitchFamily="2" charset="77"/>
+              </a:rPr>
+              <a:t>सहजकोड</a:t>
+            </a:r>
+            <a:r>
+              <a:rPr lang="en-US" sz="1000" b="0" i="0" spc="120" baseline="0" dirty="0">
+                <a:solidFill>
+                  <a:schemeClr val="tx2">
+                    <a:lumMod val="90000"/>
+                    <a:lumOff val="10000"/>
+                  </a:schemeClr>
+                </a:solidFill>
+                <a:effectLst/>
+                <a:latin typeface="American Typewriter" panose="02090604020004020304" pitchFamily="18" charset="77"/>
+                <a:ea typeface="Calibri" panose="020F0502020204030204" pitchFamily="34" charset="0"/>
+                <a:cs typeface="Kohinoor Devanagari Light" panose="02000000000000000000" pitchFamily="2" charset="77"/>
+              </a:rPr>
+              <a:t> </a:t>
+            </a:r>
+            <a:r>
+              <a:rPr lang="en-US" sz="1000" spc="120" baseline="0" dirty="0">
+                <a:solidFill>
+                  <a:schemeClr val="tx2">
+                    <a:lumMod val="90000"/>
+                    <a:lumOff val="10000"/>
+                  </a:schemeClr>
+                </a:solidFill>
+                <a:effectLst/>
+                <a:latin typeface="American Typewriter" panose="02090604020004020304" pitchFamily="18" charset="77"/>
+                <a:ea typeface="Calibri" panose="020F0502020204030204" pitchFamily="34" charset="0"/>
+                <a:cs typeface="Times New Roman" panose="02020603050405020304" pitchFamily="18" charset="0"/>
+              </a:rPr>
+              <a:t>| SAHAJCODE.COM</a:t>
+            </a:r>
+            <a:endParaRPr lang="en-IN" sz="1000" spc="120" baseline="0" dirty="0">
+              <a:solidFill>
+                <a:schemeClr val="tx2">
+                  <a:lumMod val="90000"/>
+                  <a:lumOff val="10000"/>
+                </a:schemeClr>
+              </a:solidFill>
+              <a:effectLst/>
+              <a:latin typeface="American Typewriter" panose="02090604020004020304" pitchFamily="18" charset="77"/>
+              <a:ea typeface="Calibri" panose="020F0502020204030204" pitchFamily="34" charset="0"/>
+              <a:cs typeface="Times New Roman" panose="02020603050405020304" pitchFamily="18" charset="0"/>
+            </a:endParaRPr>
+          </a:p>
+        </p:txBody>
+      </p:sp>
+    </p:spTree>
+    <p:extLst>
+      <p:ext uri="{BB962C8B-B14F-4D97-AF65-F5344CB8AC3E}">
+        <p14:creationId xmlns:p14="http://schemas.microsoft.com/office/powerpoint/2010/main" val="224450401"/>
+      </p:ext>
+    </p:extLst>
+  </p:cSld>
+  <p:clrMapOvr>
+    <a:masterClrMapping/>
+  </p:clrMapOvr>
+</p:sldLayout>
+</file>
+
+<file path=ppt/slideLayouts/slideLayout8.xml><?xml version="1.0" encoding="utf-8"?>
+<p:sldLayout xmlns:a="http://schemas.openxmlformats.org/drawingml/2006/main" xmlns:r="http://schemas.openxmlformats.org/officeDocument/2006/relationships" xmlns:p="http://schemas.openxmlformats.org/presentationml/2006/main" preserve="1" userDrawn="1">
+  <p:cSld name="3_Title and Content">
+    <p:spTree>
+      <p:nvGrpSpPr>
+        <p:cNvPr id="1" name=""/>
+        <p:cNvGrpSpPr/>
+        <p:nvPr/>
+      </p:nvGrpSpPr>
+      <p:grpSpPr>
+        <a:xfrm>
+          <a:off x="0" y="0"/>
+          <a:ext cx="0" cy="0"/>
+          <a:chOff x="0" y="0"/>
+          <a:chExt cx="0" cy="0"/>
+        </a:xfrm>
+      </p:grpSpPr>
+      <p:sp>
+        <p:nvSpPr>
+          <p:cNvPr id="3" name="Content Placeholder 2"/>
+          <p:cNvSpPr>
+            <a:spLocks noGrp="1"/>
+          </p:cNvSpPr>
+          <p:nvPr>
+            <p:ph idx="1"/>
+          </p:nvPr>
+        </p:nvSpPr>
+        <p:spPr>
+          <a:xfrm>
+            <a:off x="353725" y="900495"/>
+            <a:ext cx="4437638" cy="7343010"/>
+          </a:xfrm>
+        </p:spPr>
+        <p:txBody>
+          <a:bodyPr/>
+          <a:lstStyle/>
+          <a:p>
+            <a:pPr lvl="0"/>
+            <a:r>
+              <a:rPr lang="en-GB"/>
+              <a:t>Click to edit Master text styles</a:t>
+            </a:r>
+          </a:p>
+          <a:p>
+            <a:pPr lvl="1"/>
+            <a:r>
+              <a:rPr lang="en-GB"/>
+              <a:t>Second level</a:t>
+            </a:r>
+          </a:p>
+          <a:p>
+            <a:pPr lvl="2"/>
+            <a:r>
+              <a:rPr lang="en-GB"/>
+              <a:t>Third level</a:t>
+            </a:r>
+          </a:p>
+          <a:p>
+            <a:pPr lvl="3"/>
+            <a:r>
+              <a:rPr lang="en-GB"/>
+              <a:t>Fourth level</a:t>
+            </a:r>
+          </a:p>
+          <a:p>
+            <a:pPr lvl="4"/>
+            <a:r>
+              <a:rPr lang="en-GB"/>
+              <a:t>Fifth level</a:t>
+            </a:r>
+            <a:endParaRPr lang="en-US" dirty="0"/>
+          </a:p>
+        </p:txBody>
+      </p:sp>
+      <p:sp>
+        <p:nvSpPr>
+          <p:cNvPr id="5" name="TextBox 4">
+            <a:extLst>
+              <a:ext uri="{FF2B5EF4-FFF2-40B4-BE49-F238E27FC236}">
+                <a16:creationId xmlns:a16="http://schemas.microsoft.com/office/drawing/2014/main" id="{6DE92F02-5D9F-9C31-17F7-91DF3CEA44BE}"/>
+              </a:ext>
+            </a:extLst>
+          </p:cNvPr>
+          <p:cNvSpPr txBox="1"/>
+          <p:nvPr userDrawn="1"/>
+        </p:nvSpPr>
+        <p:spPr>
+          <a:xfrm>
+            <a:off x="1730965" y="8588057"/>
+            <a:ext cx="2181600" cy="252000"/>
+          </a:xfrm>
+          <a:prstGeom prst="rect">
+            <a:avLst/>
+          </a:prstGeom>
+          <a:noFill/>
+        </p:spPr>
+        <p:txBody>
+          <a:bodyPr wrap="square" rtlCol="0">
+            <a:spAutoFit/>
+          </a:bodyPr>
+          <a:lstStyle/>
+          <a:p>
+            <a:pPr algn="ctr">
+              <a:tabLst>
+                <a:tab pos="2865755" algn="ctr"/>
+                <a:tab pos="5731510" algn="r"/>
+              </a:tabLst>
+            </a:pPr>
+            <a:r>
+              <a:rPr lang="hi-IN" sz="1000" b="0" i="0" spc="120" baseline="0" dirty="0">
+                <a:solidFill>
+                  <a:schemeClr val="tx2">
+                    <a:lumMod val="90000"/>
+                    <a:lumOff val="10000"/>
+                  </a:schemeClr>
+                </a:solidFill>
+                <a:effectLst/>
+                <a:latin typeface="American Typewriter" panose="02090604020004020304" pitchFamily="18" charset="77"/>
+                <a:ea typeface="Calibri" panose="020F0502020204030204" pitchFamily="34" charset="0"/>
+                <a:cs typeface="Kohinoor Devanagari Light" panose="02000000000000000000" pitchFamily="2" charset="77"/>
+              </a:rPr>
+              <a:t>सहजकोड</a:t>
+            </a:r>
+            <a:r>
+              <a:rPr lang="en-US" sz="1000" b="0" i="0" spc="120" baseline="0" dirty="0">
+                <a:solidFill>
+                  <a:schemeClr val="tx2">
+                    <a:lumMod val="90000"/>
+                    <a:lumOff val="10000"/>
+                  </a:schemeClr>
+                </a:solidFill>
+                <a:effectLst/>
+                <a:latin typeface="American Typewriter" panose="02090604020004020304" pitchFamily="18" charset="77"/>
+                <a:ea typeface="Calibri" panose="020F0502020204030204" pitchFamily="34" charset="0"/>
+                <a:cs typeface="Kohinoor Devanagari Light" panose="02000000000000000000" pitchFamily="2" charset="77"/>
+              </a:rPr>
+              <a:t> </a:t>
+            </a:r>
+            <a:r>
+              <a:rPr lang="en-US" sz="1000" spc="120" baseline="0" dirty="0">
+                <a:solidFill>
+                  <a:schemeClr val="tx2">
+                    <a:lumMod val="90000"/>
+                    <a:lumOff val="10000"/>
+                  </a:schemeClr>
+                </a:solidFill>
+                <a:effectLst/>
+                <a:latin typeface="American Typewriter" panose="02090604020004020304" pitchFamily="18" charset="77"/>
+                <a:ea typeface="Calibri" panose="020F0502020204030204" pitchFamily="34" charset="0"/>
+                <a:cs typeface="Times New Roman" panose="02020603050405020304" pitchFamily="18" charset="0"/>
+              </a:rPr>
+              <a:t>| SAHAJCODE.COM</a:t>
+            </a:r>
+            <a:endParaRPr lang="en-IN" sz="1000" spc="120" baseline="0" dirty="0">
+              <a:solidFill>
+                <a:schemeClr val="tx2">
+                  <a:lumMod val="90000"/>
+                  <a:lumOff val="10000"/>
+                </a:schemeClr>
+              </a:solidFill>
+              <a:effectLst/>
+              <a:latin typeface="American Typewriter" panose="02090604020004020304" pitchFamily="18" charset="77"/>
+              <a:ea typeface="Calibri" panose="020F0502020204030204" pitchFamily="34" charset="0"/>
+              <a:cs typeface="Times New Roman" panose="02020603050405020304" pitchFamily="18" charset="0"/>
+            </a:endParaRPr>
+          </a:p>
+        </p:txBody>
+      </p:sp>
+    </p:spTree>
+    <p:extLst>
+      <p:ext uri="{BB962C8B-B14F-4D97-AF65-F5344CB8AC3E}">
+        <p14:creationId xmlns:p14="http://schemas.microsoft.com/office/powerpoint/2010/main" val="1380218266"/>
+      </p:ext>
+    </p:extLst>
+  </p:cSld>
+  <p:clrMapOvr>
+    <a:masterClrMapping/>
+  </p:clrMapOvr>
+</p:sldLayout>
+</file>
+
+<file path=ppt/slideLayouts/slideLayout9.xml><?xml version="1.0" encoding="utf-8"?>
 <p:sldLayout xmlns:a="http://schemas.openxmlformats.org/drawingml/2006/main" xmlns:r="http://schemas.openxmlformats.org/officeDocument/2006/relationships" xmlns:p="http://schemas.openxmlformats.org/presentationml/2006/main" type="twoObj" preserve="1">
   <p:cSld name="Two Content">
     <p:spTree>
@@ -2490,1270 +4876,6 @@
 </p:sldLayout>
 </file>
 
-<file path=ppt/slideLayouts/slideLayout6.xml><?xml version="1.0" encoding="utf-8"?>
-<p:sldLayout xmlns:a="http://schemas.openxmlformats.org/drawingml/2006/main" xmlns:r="http://schemas.openxmlformats.org/officeDocument/2006/relationships" xmlns:p="http://schemas.openxmlformats.org/presentationml/2006/main" type="twoObj" preserve="1">
-  <p:cSld name="1_Two Content">
-    <p:spTree>
-      <p:nvGrpSpPr>
-        <p:cNvPr id="1" name=""/>
-        <p:cNvGrpSpPr/>
-        <p:nvPr/>
-      </p:nvGrpSpPr>
-      <p:grpSpPr>
-        <a:xfrm>
-          <a:off x="0" y="0"/>
-          <a:ext cx="0" cy="0"/>
-          <a:chOff x="0" y="0"/>
-          <a:chExt cx="0" cy="0"/>
-        </a:xfrm>
-      </p:grpSpPr>
-      <p:sp>
-        <p:nvSpPr>
-          <p:cNvPr id="2" name="Title 1"/>
-          <p:cNvSpPr>
-            <a:spLocks noGrp="1"/>
-          </p:cNvSpPr>
-          <p:nvPr>
-            <p:ph type="title"/>
-          </p:nvPr>
-        </p:nvSpPr>
-        <p:spPr/>
-        <p:txBody>
-          <a:bodyPr/>
-          <a:lstStyle/>
-          <a:p>
-            <a:r>
-              <a:rPr lang="en-GB"/>
-              <a:t>Click to edit Master title style</a:t>
-            </a:r>
-            <a:endParaRPr lang="en-US" dirty="0"/>
-          </a:p>
-        </p:txBody>
-      </p:sp>
-      <p:sp>
-        <p:nvSpPr>
-          <p:cNvPr id="6" name="TextBox 5">
-            <a:extLst>
-              <a:ext uri="{FF2B5EF4-FFF2-40B4-BE49-F238E27FC236}">
-                <a16:creationId xmlns:a16="http://schemas.microsoft.com/office/drawing/2014/main" id="{2205A2E2-EFCE-7119-186F-61FFE168D13A}"/>
-              </a:ext>
-            </a:extLst>
-          </p:cNvPr>
-          <p:cNvSpPr txBox="1"/>
-          <p:nvPr userDrawn="1"/>
-        </p:nvSpPr>
-        <p:spPr>
-          <a:xfrm>
-            <a:off x="1730965" y="8588057"/>
-            <a:ext cx="2181600" cy="252000"/>
-          </a:xfrm>
-          <a:prstGeom prst="rect">
-            <a:avLst/>
-          </a:prstGeom>
-          <a:noFill/>
-        </p:spPr>
-        <p:txBody>
-          <a:bodyPr wrap="square" rtlCol="0">
-            <a:spAutoFit/>
-          </a:bodyPr>
-          <a:lstStyle/>
-          <a:p>
-            <a:pPr algn="ctr">
-              <a:tabLst>
-                <a:tab pos="2865755" algn="ctr"/>
-                <a:tab pos="5731510" algn="r"/>
-              </a:tabLst>
-            </a:pPr>
-            <a:r>
-              <a:rPr lang="hi-IN" sz="1000" b="0" i="0" spc="120" baseline="0" dirty="0">
-                <a:solidFill>
-                  <a:schemeClr val="tx2">
-                    <a:lumMod val="90000"/>
-                    <a:lumOff val="10000"/>
-                  </a:schemeClr>
-                </a:solidFill>
-                <a:effectLst/>
-                <a:latin typeface="American Typewriter" panose="02090604020004020304" pitchFamily="18" charset="77"/>
-                <a:ea typeface="Calibri" panose="020F0502020204030204" pitchFamily="34" charset="0"/>
-                <a:cs typeface="Kohinoor Devanagari Light" panose="02000000000000000000" pitchFamily="2" charset="77"/>
-              </a:rPr>
-              <a:t>सहजकोड</a:t>
-            </a:r>
-            <a:r>
-              <a:rPr lang="en-US" sz="1000" b="0" i="0" spc="120" baseline="0" dirty="0">
-                <a:solidFill>
-                  <a:schemeClr val="tx2">
-                    <a:lumMod val="90000"/>
-                    <a:lumOff val="10000"/>
-                  </a:schemeClr>
-                </a:solidFill>
-                <a:effectLst/>
-                <a:latin typeface="American Typewriter" panose="02090604020004020304" pitchFamily="18" charset="77"/>
-                <a:ea typeface="Calibri" panose="020F0502020204030204" pitchFamily="34" charset="0"/>
-                <a:cs typeface="Kohinoor Devanagari Light" panose="02000000000000000000" pitchFamily="2" charset="77"/>
-              </a:rPr>
-              <a:t> </a:t>
-            </a:r>
-            <a:r>
-              <a:rPr lang="en-US" sz="1000" spc="120" baseline="0" dirty="0">
-                <a:solidFill>
-                  <a:schemeClr val="tx2">
-                    <a:lumMod val="90000"/>
-                    <a:lumOff val="10000"/>
-                  </a:schemeClr>
-                </a:solidFill>
-                <a:effectLst/>
-                <a:latin typeface="American Typewriter" panose="02090604020004020304" pitchFamily="18" charset="77"/>
-                <a:ea typeface="Calibri" panose="020F0502020204030204" pitchFamily="34" charset="0"/>
-                <a:cs typeface="Times New Roman" panose="02020603050405020304" pitchFamily="18" charset="0"/>
-              </a:rPr>
-              <a:t>| SAHAJCODE.COM</a:t>
-            </a:r>
-            <a:endParaRPr lang="en-IN" sz="1000" spc="120" baseline="0" dirty="0">
-              <a:solidFill>
-                <a:schemeClr val="tx2">
-                  <a:lumMod val="90000"/>
-                  <a:lumOff val="10000"/>
-                </a:schemeClr>
-              </a:solidFill>
-              <a:effectLst/>
-              <a:latin typeface="American Typewriter" panose="02090604020004020304" pitchFamily="18" charset="77"/>
-              <a:ea typeface="Calibri" panose="020F0502020204030204" pitchFamily="34" charset="0"/>
-              <a:cs typeface="Times New Roman" panose="02020603050405020304" pitchFamily="18" charset="0"/>
-            </a:endParaRPr>
-          </a:p>
-        </p:txBody>
-      </p:sp>
-      <p:sp>
-        <p:nvSpPr>
-          <p:cNvPr id="4" name="Content Placeholder 3"/>
-          <p:cNvSpPr>
-            <a:spLocks noGrp="1"/>
-          </p:cNvSpPr>
-          <p:nvPr>
-            <p:ph sz="half" idx="2"/>
-          </p:nvPr>
-        </p:nvSpPr>
-        <p:spPr>
-          <a:xfrm>
-            <a:off x="2604701" y="1726601"/>
-            <a:ext cx="2186662" cy="6509038"/>
-          </a:xfrm>
-        </p:spPr>
-        <p:txBody>
-          <a:bodyPr/>
-          <a:lstStyle/>
-          <a:p>
-            <a:pPr lvl="0"/>
-            <a:r>
-              <a:rPr lang="en-GB"/>
-              <a:t>Click to edit Master text styles</a:t>
-            </a:r>
-          </a:p>
-          <a:p>
-            <a:pPr lvl="1"/>
-            <a:r>
-              <a:rPr lang="en-GB"/>
-              <a:t>Second level</a:t>
-            </a:r>
-          </a:p>
-          <a:p>
-            <a:pPr lvl="2"/>
-            <a:r>
-              <a:rPr lang="en-GB"/>
-              <a:t>Third level</a:t>
-            </a:r>
-          </a:p>
-          <a:p>
-            <a:pPr lvl="3"/>
-            <a:r>
-              <a:rPr lang="en-GB"/>
-              <a:t>Fourth level</a:t>
-            </a:r>
-          </a:p>
-          <a:p>
-            <a:pPr lvl="4"/>
-            <a:r>
-              <a:rPr lang="en-GB"/>
-              <a:t>Fifth level</a:t>
-            </a:r>
-            <a:endParaRPr lang="en-US" dirty="0"/>
-          </a:p>
-        </p:txBody>
-      </p:sp>
-      <p:sp>
-        <p:nvSpPr>
-          <p:cNvPr id="3" name="Content Placeholder 2"/>
-          <p:cNvSpPr>
-            <a:spLocks noGrp="1"/>
-          </p:cNvSpPr>
-          <p:nvPr>
-            <p:ph sz="half" idx="1"/>
-          </p:nvPr>
-        </p:nvSpPr>
-        <p:spPr>
-          <a:xfrm>
-            <a:off x="353723" y="1726601"/>
-            <a:ext cx="2186662" cy="6509038"/>
-          </a:xfrm>
-        </p:spPr>
-        <p:txBody>
-          <a:bodyPr/>
-          <a:lstStyle/>
-          <a:p>
-            <a:pPr lvl="0"/>
-            <a:r>
-              <a:rPr lang="en-GB"/>
-              <a:t>Click to edit Master text styles</a:t>
-            </a:r>
-          </a:p>
-          <a:p>
-            <a:pPr lvl="1"/>
-            <a:r>
-              <a:rPr lang="en-GB"/>
-              <a:t>Second level</a:t>
-            </a:r>
-          </a:p>
-          <a:p>
-            <a:pPr lvl="2"/>
-            <a:r>
-              <a:rPr lang="en-GB"/>
-              <a:t>Third level</a:t>
-            </a:r>
-          </a:p>
-          <a:p>
-            <a:pPr lvl="3"/>
-            <a:r>
-              <a:rPr lang="en-GB"/>
-              <a:t>Fourth level</a:t>
-            </a:r>
-          </a:p>
-          <a:p>
-            <a:pPr lvl="4"/>
-            <a:r>
-              <a:rPr lang="en-GB"/>
-              <a:t>Fifth level</a:t>
-            </a:r>
-            <a:endParaRPr lang="en-US" dirty="0"/>
-          </a:p>
-        </p:txBody>
-      </p:sp>
-    </p:spTree>
-    <p:extLst>
-      <p:ext uri="{BB962C8B-B14F-4D97-AF65-F5344CB8AC3E}">
-        <p14:creationId xmlns:p14="http://schemas.microsoft.com/office/powerpoint/2010/main" val="3297784908"/>
-      </p:ext>
-    </p:extLst>
-  </p:cSld>
-  <p:clrMapOvr>
-    <a:masterClrMapping/>
-  </p:clrMapOvr>
-</p:sldLayout>
-</file>
-
-<file path=ppt/slideLayouts/slideLayout7.xml><?xml version="1.0" encoding="utf-8"?>
-<p:sldLayout xmlns:a="http://schemas.openxmlformats.org/drawingml/2006/main" xmlns:r="http://schemas.openxmlformats.org/officeDocument/2006/relationships" xmlns:p="http://schemas.openxmlformats.org/presentationml/2006/main" preserve="1" userDrawn="1">
-  <p:cSld name="Comparison">
-    <p:spTree>
-      <p:nvGrpSpPr>
-        <p:cNvPr id="1" name=""/>
-        <p:cNvGrpSpPr/>
-        <p:nvPr/>
-      </p:nvGrpSpPr>
-      <p:grpSpPr>
-        <a:xfrm>
-          <a:off x="0" y="0"/>
-          <a:ext cx="0" cy="0"/>
-          <a:chOff x="0" y="0"/>
-          <a:chExt cx="0" cy="0"/>
-        </a:xfrm>
-      </p:grpSpPr>
-      <p:pic>
-        <p:nvPicPr>
-          <p:cNvPr id="16" name="Picture 15">
-            <a:extLst>
-              <a:ext uri="{FF2B5EF4-FFF2-40B4-BE49-F238E27FC236}">
-                <a16:creationId xmlns:a16="http://schemas.microsoft.com/office/drawing/2014/main" id="{9C446B22-2450-0429-C7EA-99864B4E1326}"/>
-              </a:ext>
-            </a:extLst>
-          </p:cNvPr>
-          <p:cNvPicPr>
-            <a:picLocks noChangeAspect="1"/>
-          </p:cNvPicPr>
-          <p:nvPr userDrawn="1"/>
-        </p:nvPicPr>
-        <p:blipFill>
-          <a:blip r:embed="rId2">
-            <a:alphaModFix amt="5000"/>
-          </a:blip>
-          <a:stretch>
-            <a:fillRect/>
-          </a:stretch>
-        </p:blipFill>
-        <p:spPr>
-          <a:xfrm>
-            <a:off x="952544" y="3635338"/>
-            <a:ext cx="3240000" cy="3240000"/>
-          </a:xfrm>
-          <a:prstGeom prst="rect">
-            <a:avLst/>
-          </a:prstGeom>
-        </p:spPr>
-      </p:pic>
-      <p:sp>
-        <p:nvSpPr>
-          <p:cNvPr id="2" name="Title 1"/>
-          <p:cNvSpPr>
-            <a:spLocks noGrp="1"/>
-          </p:cNvSpPr>
-          <p:nvPr>
-            <p:ph type="title"/>
-          </p:nvPr>
-        </p:nvSpPr>
-        <p:spPr>
-          <a:xfrm>
-            <a:off x="354396" y="910555"/>
-            <a:ext cx="4437638" cy="630000"/>
-          </a:xfrm>
-        </p:spPr>
-        <p:txBody>
-          <a:bodyPr/>
-          <a:lstStyle/>
-          <a:p>
-            <a:r>
-              <a:rPr lang="en-GB"/>
-              <a:t>Click to edit Master title style</a:t>
-            </a:r>
-            <a:endParaRPr lang="en-US" dirty="0"/>
-          </a:p>
-        </p:txBody>
-      </p:sp>
-      <p:sp>
-        <p:nvSpPr>
-          <p:cNvPr id="3" name="Text Placeholder 2"/>
-          <p:cNvSpPr>
-            <a:spLocks noGrp="1"/>
-          </p:cNvSpPr>
-          <p:nvPr>
-            <p:ph type="body" idx="1"/>
-          </p:nvPr>
-        </p:nvSpPr>
-        <p:spPr>
-          <a:xfrm>
-            <a:off x="354396" y="1642837"/>
-            <a:ext cx="2176613" cy="540000"/>
-          </a:xfrm>
-        </p:spPr>
-        <p:txBody>
-          <a:bodyPr anchor="b"/>
-          <a:lstStyle>
-            <a:lvl1pPr marL="0" indent="0">
-              <a:buNone/>
-              <a:defRPr sz="1350" b="1"/>
-            </a:lvl1pPr>
-            <a:lvl2pPr marL="257266" indent="0">
-              <a:buNone/>
-              <a:defRPr sz="1125" b="1"/>
-            </a:lvl2pPr>
-            <a:lvl3pPr marL="514533" indent="0">
-              <a:buNone/>
-              <a:defRPr sz="1013" b="1"/>
-            </a:lvl3pPr>
-            <a:lvl4pPr marL="771799" indent="0">
-              <a:buNone/>
-              <a:defRPr sz="900" b="1"/>
-            </a:lvl4pPr>
-            <a:lvl5pPr marL="1029066" indent="0">
-              <a:buNone/>
-              <a:defRPr sz="900" b="1"/>
-            </a:lvl5pPr>
-            <a:lvl6pPr marL="1286332" indent="0">
-              <a:buNone/>
-              <a:defRPr sz="900" b="1"/>
-            </a:lvl6pPr>
-            <a:lvl7pPr marL="1543599" indent="0">
-              <a:buNone/>
-              <a:defRPr sz="900" b="1"/>
-            </a:lvl7pPr>
-            <a:lvl8pPr marL="1800865" indent="0">
-              <a:buNone/>
-              <a:defRPr sz="900" b="1"/>
-            </a:lvl8pPr>
-            <a:lvl9pPr marL="2058132" indent="0">
-              <a:buNone/>
-              <a:defRPr sz="900" b="1"/>
-            </a:lvl9pPr>
-          </a:lstStyle>
-          <a:p>
-            <a:pPr lvl="0"/>
-            <a:r>
-              <a:rPr lang="en-GB"/>
-              <a:t>Click to edit Master text styles</a:t>
-            </a:r>
-          </a:p>
-        </p:txBody>
-      </p:sp>
-      <p:sp>
-        <p:nvSpPr>
-          <p:cNvPr id="5" name="Text Placeholder 4"/>
-          <p:cNvSpPr>
-            <a:spLocks noGrp="1"/>
-          </p:cNvSpPr>
-          <p:nvPr>
-            <p:ph type="body" sz="quarter" idx="3"/>
-          </p:nvPr>
-        </p:nvSpPr>
-        <p:spPr>
-          <a:xfrm>
-            <a:off x="2604701" y="1642837"/>
-            <a:ext cx="2187333" cy="540000"/>
-          </a:xfrm>
-        </p:spPr>
-        <p:txBody>
-          <a:bodyPr anchor="b"/>
-          <a:lstStyle>
-            <a:lvl1pPr marL="0" indent="0">
-              <a:buNone/>
-              <a:defRPr sz="1350" b="1"/>
-            </a:lvl1pPr>
-            <a:lvl2pPr marL="257266" indent="0">
-              <a:buNone/>
-              <a:defRPr sz="1125" b="1"/>
-            </a:lvl2pPr>
-            <a:lvl3pPr marL="514533" indent="0">
-              <a:buNone/>
-              <a:defRPr sz="1013" b="1"/>
-            </a:lvl3pPr>
-            <a:lvl4pPr marL="771799" indent="0">
-              <a:buNone/>
-              <a:defRPr sz="900" b="1"/>
-            </a:lvl4pPr>
-            <a:lvl5pPr marL="1029066" indent="0">
-              <a:buNone/>
-              <a:defRPr sz="900" b="1"/>
-            </a:lvl5pPr>
-            <a:lvl6pPr marL="1286332" indent="0">
-              <a:buNone/>
-              <a:defRPr sz="900" b="1"/>
-            </a:lvl6pPr>
-            <a:lvl7pPr marL="1543599" indent="0">
-              <a:buNone/>
-              <a:defRPr sz="900" b="1"/>
-            </a:lvl7pPr>
-            <a:lvl8pPr marL="1800865" indent="0">
-              <a:buNone/>
-              <a:defRPr sz="900" b="1"/>
-            </a:lvl8pPr>
-            <a:lvl9pPr marL="2058132" indent="0">
-              <a:buNone/>
-              <a:defRPr sz="900" b="1"/>
-            </a:lvl9pPr>
-          </a:lstStyle>
-          <a:p>
-            <a:pPr lvl="0"/>
-            <a:r>
-              <a:rPr lang="en-GB"/>
-              <a:t>Click to edit Master text styles</a:t>
-            </a:r>
-          </a:p>
-        </p:txBody>
-      </p:sp>
-      <p:sp>
-        <p:nvSpPr>
-          <p:cNvPr id="8" name="TextBox 7">
-            <a:extLst>
-              <a:ext uri="{FF2B5EF4-FFF2-40B4-BE49-F238E27FC236}">
-                <a16:creationId xmlns:a16="http://schemas.microsoft.com/office/drawing/2014/main" id="{08D89227-9FFA-C19E-1DA3-8F796FE4379D}"/>
-              </a:ext>
-            </a:extLst>
-          </p:cNvPr>
-          <p:cNvSpPr txBox="1"/>
-          <p:nvPr userDrawn="1"/>
-        </p:nvSpPr>
-        <p:spPr>
-          <a:xfrm>
-            <a:off x="1730965" y="8588057"/>
-            <a:ext cx="2181600" cy="252000"/>
-          </a:xfrm>
-          <a:prstGeom prst="rect">
-            <a:avLst/>
-          </a:prstGeom>
-          <a:noFill/>
-        </p:spPr>
-        <p:txBody>
-          <a:bodyPr wrap="square" rtlCol="0">
-            <a:spAutoFit/>
-          </a:bodyPr>
-          <a:lstStyle/>
-          <a:p>
-            <a:pPr algn="ctr">
-              <a:tabLst>
-                <a:tab pos="2865755" algn="ctr"/>
-                <a:tab pos="5731510" algn="r"/>
-              </a:tabLst>
-            </a:pPr>
-            <a:r>
-              <a:rPr lang="hi-IN" sz="1000" b="0" i="0" spc="120" baseline="0" dirty="0">
-                <a:solidFill>
-                  <a:schemeClr val="tx2">
-                    <a:lumMod val="90000"/>
-                    <a:lumOff val="10000"/>
-                  </a:schemeClr>
-                </a:solidFill>
-                <a:effectLst/>
-                <a:latin typeface="American Typewriter" panose="02090604020004020304" pitchFamily="18" charset="77"/>
-                <a:ea typeface="Calibri" panose="020F0502020204030204" pitchFamily="34" charset="0"/>
-                <a:cs typeface="Kohinoor Devanagari Light" panose="02000000000000000000" pitchFamily="2" charset="77"/>
-              </a:rPr>
-              <a:t>सहजकोड</a:t>
-            </a:r>
-            <a:r>
-              <a:rPr lang="en-US" sz="1000" b="0" i="0" spc="120" baseline="0" dirty="0">
-                <a:solidFill>
-                  <a:schemeClr val="tx2">
-                    <a:lumMod val="90000"/>
-                    <a:lumOff val="10000"/>
-                  </a:schemeClr>
-                </a:solidFill>
-                <a:effectLst/>
-                <a:latin typeface="American Typewriter" panose="02090604020004020304" pitchFamily="18" charset="77"/>
-                <a:ea typeface="Calibri" panose="020F0502020204030204" pitchFamily="34" charset="0"/>
-                <a:cs typeface="Kohinoor Devanagari Light" panose="02000000000000000000" pitchFamily="2" charset="77"/>
-              </a:rPr>
-              <a:t> </a:t>
-            </a:r>
-            <a:r>
-              <a:rPr lang="en-US" sz="1000" spc="120" baseline="0" dirty="0">
-                <a:solidFill>
-                  <a:schemeClr val="tx2">
-                    <a:lumMod val="90000"/>
-                    <a:lumOff val="10000"/>
-                  </a:schemeClr>
-                </a:solidFill>
-                <a:effectLst/>
-                <a:latin typeface="American Typewriter" panose="02090604020004020304" pitchFamily="18" charset="77"/>
-                <a:ea typeface="Calibri" panose="020F0502020204030204" pitchFamily="34" charset="0"/>
-                <a:cs typeface="Times New Roman" panose="02020603050405020304" pitchFamily="18" charset="0"/>
-              </a:rPr>
-              <a:t>| SAHAJCODE.COM</a:t>
-            </a:r>
-            <a:endParaRPr lang="en-IN" sz="1000" spc="120" baseline="0" dirty="0">
-              <a:solidFill>
-                <a:schemeClr val="tx2">
-                  <a:lumMod val="90000"/>
-                  <a:lumOff val="10000"/>
-                </a:schemeClr>
-              </a:solidFill>
-              <a:effectLst/>
-              <a:latin typeface="American Typewriter" panose="02090604020004020304" pitchFamily="18" charset="77"/>
-              <a:ea typeface="Calibri" panose="020F0502020204030204" pitchFamily="34" charset="0"/>
-              <a:cs typeface="Times New Roman" panose="02020603050405020304" pitchFamily="18" charset="0"/>
-            </a:endParaRPr>
-          </a:p>
-        </p:txBody>
-      </p:sp>
-      <p:sp>
-        <p:nvSpPr>
-          <p:cNvPr id="6" name="Content Placeholder 5"/>
-          <p:cNvSpPr>
-            <a:spLocks noGrp="1"/>
-          </p:cNvSpPr>
-          <p:nvPr>
-            <p:ph sz="quarter" idx="4"/>
-          </p:nvPr>
-        </p:nvSpPr>
-        <p:spPr>
-          <a:xfrm>
-            <a:off x="2603359" y="2280708"/>
-            <a:ext cx="2187333" cy="5949260"/>
-          </a:xfrm>
-        </p:spPr>
-        <p:txBody>
-          <a:bodyPr/>
-          <a:lstStyle/>
-          <a:p>
-            <a:pPr lvl="0"/>
-            <a:r>
-              <a:rPr lang="en-GB"/>
-              <a:t>Click to edit Master text styles</a:t>
-            </a:r>
-          </a:p>
-          <a:p>
-            <a:pPr lvl="1"/>
-            <a:r>
-              <a:rPr lang="en-GB"/>
-              <a:t>Second level</a:t>
-            </a:r>
-          </a:p>
-          <a:p>
-            <a:pPr lvl="2"/>
-            <a:r>
-              <a:rPr lang="en-GB"/>
-              <a:t>Third level</a:t>
-            </a:r>
-          </a:p>
-          <a:p>
-            <a:pPr lvl="3"/>
-            <a:r>
-              <a:rPr lang="en-GB"/>
-              <a:t>Fourth level</a:t>
-            </a:r>
-          </a:p>
-          <a:p>
-            <a:pPr lvl="4"/>
-            <a:r>
-              <a:rPr lang="en-GB"/>
-              <a:t>Fifth level</a:t>
-            </a:r>
-            <a:endParaRPr lang="en-US" dirty="0"/>
-          </a:p>
-        </p:txBody>
-      </p:sp>
-      <p:sp>
-        <p:nvSpPr>
-          <p:cNvPr id="4" name="Content Placeholder 3"/>
-          <p:cNvSpPr>
-            <a:spLocks noGrp="1"/>
-          </p:cNvSpPr>
-          <p:nvPr>
-            <p:ph sz="half" idx="2"/>
-          </p:nvPr>
-        </p:nvSpPr>
-        <p:spPr>
-          <a:xfrm>
-            <a:off x="354396" y="2284185"/>
-            <a:ext cx="2176613" cy="5949260"/>
-          </a:xfrm>
-        </p:spPr>
-        <p:txBody>
-          <a:bodyPr/>
-          <a:lstStyle/>
-          <a:p>
-            <a:pPr lvl="0"/>
-            <a:r>
-              <a:rPr lang="en-GB"/>
-              <a:t>Click to edit Master text styles</a:t>
-            </a:r>
-          </a:p>
-          <a:p>
-            <a:pPr lvl="1"/>
-            <a:r>
-              <a:rPr lang="en-GB"/>
-              <a:t>Second level</a:t>
-            </a:r>
-          </a:p>
-          <a:p>
-            <a:pPr lvl="2"/>
-            <a:r>
-              <a:rPr lang="en-GB"/>
-              <a:t>Third level</a:t>
-            </a:r>
-          </a:p>
-          <a:p>
-            <a:pPr lvl="3"/>
-            <a:r>
-              <a:rPr lang="en-GB"/>
-              <a:t>Fourth level</a:t>
-            </a:r>
-          </a:p>
-          <a:p>
-            <a:pPr lvl="4"/>
-            <a:r>
-              <a:rPr lang="en-GB"/>
-              <a:t>Fifth level</a:t>
-            </a:r>
-            <a:endParaRPr lang="en-US" dirty="0"/>
-          </a:p>
-        </p:txBody>
-      </p:sp>
-    </p:spTree>
-    <p:extLst>
-      <p:ext uri="{BB962C8B-B14F-4D97-AF65-F5344CB8AC3E}">
-        <p14:creationId xmlns:p14="http://schemas.microsoft.com/office/powerpoint/2010/main" val="2159205040"/>
-      </p:ext>
-    </p:extLst>
-  </p:cSld>
-  <p:clrMapOvr>
-    <a:masterClrMapping/>
-  </p:clrMapOvr>
-</p:sldLayout>
-</file>
-
-<file path=ppt/slideLayouts/slideLayout8.xml><?xml version="1.0" encoding="utf-8"?>
-<p:sldLayout xmlns:a="http://schemas.openxmlformats.org/drawingml/2006/main" xmlns:r="http://schemas.openxmlformats.org/officeDocument/2006/relationships" xmlns:p="http://schemas.openxmlformats.org/presentationml/2006/main" preserve="1" userDrawn="1">
-  <p:cSld name="1_Comparison">
-    <p:spTree>
-      <p:nvGrpSpPr>
-        <p:cNvPr id="1" name=""/>
-        <p:cNvGrpSpPr/>
-        <p:nvPr/>
-      </p:nvGrpSpPr>
-      <p:grpSpPr>
-        <a:xfrm>
-          <a:off x="0" y="0"/>
-          <a:ext cx="0" cy="0"/>
-          <a:chOff x="0" y="0"/>
-          <a:chExt cx="0" cy="0"/>
-        </a:xfrm>
-      </p:grpSpPr>
-      <p:sp>
-        <p:nvSpPr>
-          <p:cNvPr id="2" name="Title 1"/>
-          <p:cNvSpPr>
-            <a:spLocks noGrp="1"/>
-          </p:cNvSpPr>
-          <p:nvPr>
-            <p:ph type="title"/>
-          </p:nvPr>
-        </p:nvSpPr>
-        <p:spPr>
-          <a:xfrm>
-            <a:off x="354396" y="910555"/>
-            <a:ext cx="4437638" cy="630000"/>
-          </a:xfrm>
-        </p:spPr>
-        <p:txBody>
-          <a:bodyPr/>
-          <a:lstStyle/>
-          <a:p>
-            <a:r>
-              <a:rPr lang="en-GB"/>
-              <a:t>Click to edit Master title style</a:t>
-            </a:r>
-            <a:endParaRPr lang="en-US" dirty="0"/>
-          </a:p>
-        </p:txBody>
-      </p:sp>
-      <p:sp>
-        <p:nvSpPr>
-          <p:cNvPr id="3" name="Text Placeholder 2"/>
-          <p:cNvSpPr>
-            <a:spLocks noGrp="1"/>
-          </p:cNvSpPr>
-          <p:nvPr>
-            <p:ph type="body" idx="1"/>
-          </p:nvPr>
-        </p:nvSpPr>
-        <p:spPr>
-          <a:xfrm>
-            <a:off x="354396" y="1642837"/>
-            <a:ext cx="2176613" cy="540000"/>
-          </a:xfrm>
-        </p:spPr>
-        <p:txBody>
-          <a:bodyPr anchor="b"/>
-          <a:lstStyle>
-            <a:lvl1pPr marL="0" indent="0">
-              <a:buNone/>
-              <a:defRPr sz="1350" b="1"/>
-            </a:lvl1pPr>
-            <a:lvl2pPr marL="257266" indent="0">
-              <a:buNone/>
-              <a:defRPr sz="1125" b="1"/>
-            </a:lvl2pPr>
-            <a:lvl3pPr marL="514533" indent="0">
-              <a:buNone/>
-              <a:defRPr sz="1013" b="1"/>
-            </a:lvl3pPr>
-            <a:lvl4pPr marL="771799" indent="0">
-              <a:buNone/>
-              <a:defRPr sz="900" b="1"/>
-            </a:lvl4pPr>
-            <a:lvl5pPr marL="1029066" indent="0">
-              <a:buNone/>
-              <a:defRPr sz="900" b="1"/>
-            </a:lvl5pPr>
-            <a:lvl6pPr marL="1286332" indent="0">
-              <a:buNone/>
-              <a:defRPr sz="900" b="1"/>
-            </a:lvl6pPr>
-            <a:lvl7pPr marL="1543599" indent="0">
-              <a:buNone/>
-              <a:defRPr sz="900" b="1"/>
-            </a:lvl7pPr>
-            <a:lvl8pPr marL="1800865" indent="0">
-              <a:buNone/>
-              <a:defRPr sz="900" b="1"/>
-            </a:lvl8pPr>
-            <a:lvl9pPr marL="2058132" indent="0">
-              <a:buNone/>
-              <a:defRPr sz="900" b="1"/>
-            </a:lvl9pPr>
-          </a:lstStyle>
-          <a:p>
-            <a:pPr lvl="0"/>
-            <a:r>
-              <a:rPr lang="en-GB"/>
-              <a:t>Click to edit Master text styles</a:t>
-            </a:r>
-          </a:p>
-        </p:txBody>
-      </p:sp>
-      <p:sp>
-        <p:nvSpPr>
-          <p:cNvPr id="5" name="Text Placeholder 4"/>
-          <p:cNvSpPr>
-            <a:spLocks noGrp="1"/>
-          </p:cNvSpPr>
-          <p:nvPr>
-            <p:ph type="body" sz="quarter" idx="3"/>
-          </p:nvPr>
-        </p:nvSpPr>
-        <p:spPr>
-          <a:xfrm>
-            <a:off x="2604701" y="1642837"/>
-            <a:ext cx="2187333" cy="540000"/>
-          </a:xfrm>
-        </p:spPr>
-        <p:txBody>
-          <a:bodyPr anchor="b"/>
-          <a:lstStyle>
-            <a:lvl1pPr marL="0" indent="0">
-              <a:buNone/>
-              <a:defRPr sz="1350" b="1"/>
-            </a:lvl1pPr>
-            <a:lvl2pPr marL="257266" indent="0">
-              <a:buNone/>
-              <a:defRPr sz="1125" b="1"/>
-            </a:lvl2pPr>
-            <a:lvl3pPr marL="514533" indent="0">
-              <a:buNone/>
-              <a:defRPr sz="1013" b="1"/>
-            </a:lvl3pPr>
-            <a:lvl4pPr marL="771799" indent="0">
-              <a:buNone/>
-              <a:defRPr sz="900" b="1"/>
-            </a:lvl4pPr>
-            <a:lvl5pPr marL="1029066" indent="0">
-              <a:buNone/>
-              <a:defRPr sz="900" b="1"/>
-            </a:lvl5pPr>
-            <a:lvl6pPr marL="1286332" indent="0">
-              <a:buNone/>
-              <a:defRPr sz="900" b="1"/>
-            </a:lvl6pPr>
-            <a:lvl7pPr marL="1543599" indent="0">
-              <a:buNone/>
-              <a:defRPr sz="900" b="1"/>
-            </a:lvl7pPr>
-            <a:lvl8pPr marL="1800865" indent="0">
-              <a:buNone/>
-              <a:defRPr sz="900" b="1"/>
-            </a:lvl8pPr>
-            <a:lvl9pPr marL="2058132" indent="0">
-              <a:buNone/>
-              <a:defRPr sz="900" b="1"/>
-            </a:lvl9pPr>
-          </a:lstStyle>
-          <a:p>
-            <a:pPr lvl="0"/>
-            <a:r>
-              <a:rPr lang="en-GB"/>
-              <a:t>Click to edit Master text styles</a:t>
-            </a:r>
-          </a:p>
-        </p:txBody>
-      </p:sp>
-      <p:sp>
-        <p:nvSpPr>
-          <p:cNvPr id="8" name="TextBox 7">
-            <a:extLst>
-              <a:ext uri="{FF2B5EF4-FFF2-40B4-BE49-F238E27FC236}">
-                <a16:creationId xmlns:a16="http://schemas.microsoft.com/office/drawing/2014/main" id="{08D89227-9FFA-C19E-1DA3-8F796FE4379D}"/>
-              </a:ext>
-            </a:extLst>
-          </p:cNvPr>
-          <p:cNvSpPr txBox="1"/>
-          <p:nvPr userDrawn="1"/>
-        </p:nvSpPr>
-        <p:spPr>
-          <a:xfrm>
-            <a:off x="1730965" y="8588057"/>
-            <a:ext cx="2181600" cy="252000"/>
-          </a:xfrm>
-          <a:prstGeom prst="rect">
-            <a:avLst/>
-          </a:prstGeom>
-          <a:noFill/>
-        </p:spPr>
-        <p:txBody>
-          <a:bodyPr wrap="square" rtlCol="0">
-            <a:spAutoFit/>
-          </a:bodyPr>
-          <a:lstStyle/>
-          <a:p>
-            <a:pPr algn="ctr">
-              <a:tabLst>
-                <a:tab pos="2865755" algn="ctr"/>
-                <a:tab pos="5731510" algn="r"/>
-              </a:tabLst>
-            </a:pPr>
-            <a:r>
-              <a:rPr lang="hi-IN" sz="1000" b="0" i="0" spc="120" baseline="0" dirty="0">
-                <a:solidFill>
-                  <a:schemeClr val="tx2">
-                    <a:lumMod val="90000"/>
-                    <a:lumOff val="10000"/>
-                  </a:schemeClr>
-                </a:solidFill>
-                <a:effectLst/>
-                <a:latin typeface="American Typewriter" panose="02090604020004020304" pitchFamily="18" charset="77"/>
-                <a:ea typeface="Calibri" panose="020F0502020204030204" pitchFamily="34" charset="0"/>
-                <a:cs typeface="Kohinoor Devanagari Light" panose="02000000000000000000" pitchFamily="2" charset="77"/>
-              </a:rPr>
-              <a:t>सहजकोड</a:t>
-            </a:r>
-            <a:r>
-              <a:rPr lang="en-US" sz="1000" b="0" i="0" spc="120" baseline="0" dirty="0">
-                <a:solidFill>
-                  <a:schemeClr val="tx2">
-                    <a:lumMod val="90000"/>
-                    <a:lumOff val="10000"/>
-                  </a:schemeClr>
-                </a:solidFill>
-                <a:effectLst/>
-                <a:latin typeface="American Typewriter" panose="02090604020004020304" pitchFamily="18" charset="77"/>
-                <a:ea typeface="Calibri" panose="020F0502020204030204" pitchFamily="34" charset="0"/>
-                <a:cs typeface="Kohinoor Devanagari Light" panose="02000000000000000000" pitchFamily="2" charset="77"/>
-              </a:rPr>
-              <a:t> </a:t>
-            </a:r>
-            <a:r>
-              <a:rPr lang="en-US" sz="1000" spc="120" baseline="0" dirty="0">
-                <a:solidFill>
-                  <a:schemeClr val="tx2">
-                    <a:lumMod val="90000"/>
-                    <a:lumOff val="10000"/>
-                  </a:schemeClr>
-                </a:solidFill>
-                <a:effectLst/>
-                <a:latin typeface="American Typewriter" panose="02090604020004020304" pitchFamily="18" charset="77"/>
-                <a:ea typeface="Calibri" panose="020F0502020204030204" pitchFamily="34" charset="0"/>
-                <a:cs typeface="Times New Roman" panose="02020603050405020304" pitchFamily="18" charset="0"/>
-              </a:rPr>
-              <a:t>| SAHAJCODE.COM</a:t>
-            </a:r>
-            <a:endParaRPr lang="en-IN" sz="1000" spc="120" baseline="0" dirty="0">
-              <a:solidFill>
-                <a:schemeClr val="tx2">
-                  <a:lumMod val="90000"/>
-                  <a:lumOff val="10000"/>
-                </a:schemeClr>
-              </a:solidFill>
-              <a:effectLst/>
-              <a:latin typeface="American Typewriter" panose="02090604020004020304" pitchFamily="18" charset="77"/>
-              <a:ea typeface="Calibri" panose="020F0502020204030204" pitchFamily="34" charset="0"/>
-              <a:cs typeface="Times New Roman" panose="02020603050405020304" pitchFamily="18" charset="0"/>
-            </a:endParaRPr>
-          </a:p>
-        </p:txBody>
-      </p:sp>
-      <p:sp>
-        <p:nvSpPr>
-          <p:cNvPr id="6" name="Content Placeholder 5"/>
-          <p:cNvSpPr>
-            <a:spLocks noGrp="1"/>
-          </p:cNvSpPr>
-          <p:nvPr>
-            <p:ph sz="quarter" idx="4"/>
-          </p:nvPr>
-        </p:nvSpPr>
-        <p:spPr>
-          <a:xfrm>
-            <a:off x="2603359" y="2280708"/>
-            <a:ext cx="2187333" cy="5949260"/>
-          </a:xfrm>
-        </p:spPr>
-        <p:txBody>
-          <a:bodyPr/>
-          <a:lstStyle/>
-          <a:p>
-            <a:pPr lvl="0"/>
-            <a:r>
-              <a:rPr lang="en-GB"/>
-              <a:t>Click to edit Master text styles</a:t>
-            </a:r>
-          </a:p>
-          <a:p>
-            <a:pPr lvl="1"/>
-            <a:r>
-              <a:rPr lang="en-GB"/>
-              <a:t>Second level</a:t>
-            </a:r>
-          </a:p>
-          <a:p>
-            <a:pPr lvl="2"/>
-            <a:r>
-              <a:rPr lang="en-GB"/>
-              <a:t>Third level</a:t>
-            </a:r>
-          </a:p>
-          <a:p>
-            <a:pPr lvl="3"/>
-            <a:r>
-              <a:rPr lang="en-GB"/>
-              <a:t>Fourth level</a:t>
-            </a:r>
-          </a:p>
-          <a:p>
-            <a:pPr lvl="4"/>
-            <a:r>
-              <a:rPr lang="en-GB"/>
-              <a:t>Fifth level</a:t>
-            </a:r>
-            <a:endParaRPr lang="en-US" dirty="0"/>
-          </a:p>
-        </p:txBody>
-      </p:sp>
-      <p:sp>
-        <p:nvSpPr>
-          <p:cNvPr id="4" name="Content Placeholder 3"/>
-          <p:cNvSpPr>
-            <a:spLocks noGrp="1"/>
-          </p:cNvSpPr>
-          <p:nvPr>
-            <p:ph sz="half" idx="2"/>
-          </p:nvPr>
-        </p:nvSpPr>
-        <p:spPr>
-          <a:xfrm>
-            <a:off x="354396" y="2284185"/>
-            <a:ext cx="2176613" cy="5949260"/>
-          </a:xfrm>
-        </p:spPr>
-        <p:txBody>
-          <a:bodyPr/>
-          <a:lstStyle/>
-          <a:p>
-            <a:pPr lvl="0"/>
-            <a:r>
-              <a:rPr lang="en-GB"/>
-              <a:t>Click to edit Master text styles</a:t>
-            </a:r>
-          </a:p>
-          <a:p>
-            <a:pPr lvl="1"/>
-            <a:r>
-              <a:rPr lang="en-GB"/>
-              <a:t>Second level</a:t>
-            </a:r>
-          </a:p>
-          <a:p>
-            <a:pPr lvl="2"/>
-            <a:r>
-              <a:rPr lang="en-GB"/>
-              <a:t>Third level</a:t>
-            </a:r>
-          </a:p>
-          <a:p>
-            <a:pPr lvl="3"/>
-            <a:r>
-              <a:rPr lang="en-GB"/>
-              <a:t>Fourth level</a:t>
-            </a:r>
-          </a:p>
-          <a:p>
-            <a:pPr lvl="4"/>
-            <a:r>
-              <a:rPr lang="en-GB"/>
-              <a:t>Fifth level</a:t>
-            </a:r>
-            <a:endParaRPr lang="en-US" dirty="0"/>
-          </a:p>
-        </p:txBody>
-      </p:sp>
-    </p:spTree>
-    <p:extLst>
-      <p:ext uri="{BB962C8B-B14F-4D97-AF65-F5344CB8AC3E}">
-        <p14:creationId xmlns:p14="http://schemas.microsoft.com/office/powerpoint/2010/main" val="2224768126"/>
-      </p:ext>
-    </p:extLst>
-  </p:cSld>
-  <p:clrMapOvr>
-    <a:masterClrMapping/>
-  </p:clrMapOvr>
-</p:sldLayout>
-</file>
-
-<file path=ppt/slideLayouts/slideLayout9.xml><?xml version="1.0" encoding="utf-8"?>
-<p:sldLayout xmlns:a="http://schemas.openxmlformats.org/drawingml/2006/main" xmlns:r="http://schemas.openxmlformats.org/officeDocument/2006/relationships" xmlns:p="http://schemas.openxmlformats.org/presentationml/2006/main" type="titleOnly" preserve="1">
-  <p:cSld name="Title Only">
-    <p:spTree>
-      <p:nvGrpSpPr>
-        <p:cNvPr id="1" name=""/>
-        <p:cNvGrpSpPr/>
-        <p:nvPr/>
-      </p:nvGrpSpPr>
-      <p:grpSpPr>
-        <a:xfrm>
-          <a:off x="0" y="0"/>
-          <a:ext cx="0" cy="0"/>
-          <a:chOff x="0" y="0"/>
-          <a:chExt cx="0" cy="0"/>
-        </a:xfrm>
-      </p:grpSpPr>
-      <p:pic>
-        <p:nvPicPr>
-          <p:cNvPr id="8" name="Picture 7">
-            <a:extLst>
-              <a:ext uri="{FF2B5EF4-FFF2-40B4-BE49-F238E27FC236}">
-                <a16:creationId xmlns:a16="http://schemas.microsoft.com/office/drawing/2014/main" id="{21C0F5B9-C172-4B84-6453-3EC2329913C8}"/>
-              </a:ext>
-            </a:extLst>
-          </p:cNvPr>
-          <p:cNvPicPr>
-            <a:picLocks noChangeAspect="1"/>
-          </p:cNvPicPr>
-          <p:nvPr userDrawn="1"/>
-        </p:nvPicPr>
-        <p:blipFill>
-          <a:blip r:embed="rId2">
-            <a:alphaModFix amt="5000"/>
-          </a:blip>
-          <a:stretch>
-            <a:fillRect/>
-          </a:stretch>
-        </p:blipFill>
-        <p:spPr>
-          <a:xfrm>
-            <a:off x="952543" y="3361120"/>
-            <a:ext cx="3240000" cy="3240000"/>
-          </a:xfrm>
-          <a:prstGeom prst="rect">
-            <a:avLst/>
-          </a:prstGeom>
-        </p:spPr>
-      </p:pic>
-      <p:sp>
-        <p:nvSpPr>
-          <p:cNvPr id="2" name="Title 1"/>
-          <p:cNvSpPr>
-            <a:spLocks noGrp="1"/>
-          </p:cNvSpPr>
-          <p:nvPr>
-            <p:ph type="title"/>
-          </p:nvPr>
-        </p:nvSpPr>
-        <p:spPr/>
-        <p:txBody>
-          <a:bodyPr/>
-          <a:lstStyle/>
-          <a:p>
-            <a:r>
-              <a:rPr lang="en-GB"/>
-              <a:t>Click to edit Master title style</a:t>
-            </a:r>
-            <a:endParaRPr lang="en-US" dirty="0"/>
-          </a:p>
-        </p:txBody>
-      </p:sp>
-      <p:sp>
-        <p:nvSpPr>
-          <p:cNvPr id="5" name="TextBox 4">
-            <a:extLst>
-              <a:ext uri="{FF2B5EF4-FFF2-40B4-BE49-F238E27FC236}">
-                <a16:creationId xmlns:a16="http://schemas.microsoft.com/office/drawing/2014/main" id="{98AAC94A-6101-B539-7BFB-0CDE00AC183A}"/>
-              </a:ext>
-            </a:extLst>
-          </p:cNvPr>
-          <p:cNvSpPr txBox="1"/>
-          <p:nvPr userDrawn="1"/>
-        </p:nvSpPr>
-        <p:spPr>
-          <a:xfrm>
-            <a:off x="1730965" y="8588057"/>
-            <a:ext cx="2181600" cy="252000"/>
-          </a:xfrm>
-          <a:prstGeom prst="rect">
-            <a:avLst/>
-          </a:prstGeom>
-          <a:noFill/>
-        </p:spPr>
-        <p:txBody>
-          <a:bodyPr wrap="square" rtlCol="0">
-            <a:spAutoFit/>
-          </a:bodyPr>
-          <a:lstStyle/>
-          <a:p>
-            <a:pPr algn="ctr">
-              <a:tabLst>
-                <a:tab pos="2865755" algn="ctr"/>
-                <a:tab pos="5731510" algn="r"/>
-              </a:tabLst>
-            </a:pPr>
-            <a:r>
-              <a:rPr lang="hi-IN" sz="1000" b="0" i="0" spc="120" baseline="0" dirty="0">
-                <a:solidFill>
-                  <a:schemeClr val="tx2">
-                    <a:lumMod val="90000"/>
-                    <a:lumOff val="10000"/>
-                  </a:schemeClr>
-                </a:solidFill>
-                <a:effectLst/>
-                <a:latin typeface="American Typewriter" panose="02090604020004020304" pitchFamily="18" charset="77"/>
-                <a:ea typeface="Calibri" panose="020F0502020204030204" pitchFamily="34" charset="0"/>
-                <a:cs typeface="Kohinoor Devanagari Light" panose="02000000000000000000" pitchFamily="2" charset="77"/>
-              </a:rPr>
-              <a:t>सहजकोड</a:t>
-            </a:r>
-            <a:r>
-              <a:rPr lang="en-US" sz="1000" b="0" i="0" spc="120" baseline="0" dirty="0">
-                <a:solidFill>
-                  <a:schemeClr val="tx2">
-                    <a:lumMod val="90000"/>
-                    <a:lumOff val="10000"/>
-                  </a:schemeClr>
-                </a:solidFill>
-                <a:effectLst/>
-                <a:latin typeface="American Typewriter" panose="02090604020004020304" pitchFamily="18" charset="77"/>
-                <a:ea typeface="Calibri" panose="020F0502020204030204" pitchFamily="34" charset="0"/>
-                <a:cs typeface="Kohinoor Devanagari Light" panose="02000000000000000000" pitchFamily="2" charset="77"/>
-              </a:rPr>
-              <a:t> </a:t>
-            </a:r>
-            <a:r>
-              <a:rPr lang="en-US" sz="1000" spc="120" baseline="0" dirty="0">
-                <a:solidFill>
-                  <a:schemeClr val="tx2">
-                    <a:lumMod val="90000"/>
-                    <a:lumOff val="10000"/>
-                  </a:schemeClr>
-                </a:solidFill>
-                <a:effectLst/>
-                <a:latin typeface="American Typewriter" panose="02090604020004020304" pitchFamily="18" charset="77"/>
-                <a:ea typeface="Calibri" panose="020F0502020204030204" pitchFamily="34" charset="0"/>
-                <a:cs typeface="Times New Roman" panose="02020603050405020304" pitchFamily="18" charset="0"/>
-              </a:rPr>
-              <a:t>| SAHAJCODE.COM</a:t>
-            </a:r>
-            <a:endParaRPr lang="en-IN" sz="1000" spc="120" baseline="0" dirty="0">
-              <a:solidFill>
-                <a:schemeClr val="tx2">
-                  <a:lumMod val="90000"/>
-                  <a:lumOff val="10000"/>
-                </a:schemeClr>
-              </a:solidFill>
-              <a:effectLst/>
-              <a:latin typeface="American Typewriter" panose="02090604020004020304" pitchFamily="18" charset="77"/>
-              <a:ea typeface="Calibri" panose="020F0502020204030204" pitchFamily="34" charset="0"/>
-              <a:cs typeface="Times New Roman" panose="02020603050405020304" pitchFamily="18" charset="0"/>
-            </a:endParaRPr>
-          </a:p>
-        </p:txBody>
-      </p:sp>
-    </p:spTree>
-    <p:extLst>
-      <p:ext uri="{BB962C8B-B14F-4D97-AF65-F5344CB8AC3E}">
-        <p14:creationId xmlns:p14="http://schemas.microsoft.com/office/powerpoint/2010/main" val="3473255949"/>
-      </p:ext>
-    </p:extLst>
-  </p:cSld>
-  <p:clrMapOvr>
-    <a:masterClrMapping/>
-  </p:clrMapOvr>
-</p:sldLayout>
-</file>
-
 <file path=ppt/slideMasters/slideMaster1.xml><?xml version="1.0" encoding="utf-8"?>
 <p:sldMaster xmlns:a="http://schemas.openxmlformats.org/drawingml/2006/main" xmlns:r="http://schemas.openxmlformats.org/officeDocument/2006/relationships" xmlns:p="http://schemas.openxmlformats.org/presentationml/2006/main">
   <p:cSld>
@@ -3884,16 +5006,20 @@
     <p:sldLayoutId id="2147483661" r:id="rId2"/>
     <p:sldLayoutId id="2147483662" r:id="rId3"/>
     <p:sldLayoutId id="2147483677" r:id="rId4"/>
-    <p:sldLayoutId id="2147483664" r:id="rId5"/>
-    <p:sldLayoutId id="2147483678" r:id="rId6"/>
-    <p:sldLayoutId id="2147483665" r:id="rId7"/>
-    <p:sldLayoutId id="2147483679" r:id="rId8"/>
-    <p:sldLayoutId id="2147483666" r:id="rId9"/>
-    <p:sldLayoutId id="2147483680" r:id="rId10"/>
-    <p:sldLayoutId id="2147483667" r:id="rId11"/>
-    <p:sldLayoutId id="2147483682" r:id="rId12"/>
-    <p:sldLayoutId id="2147483681" r:id="rId13"/>
-    <p:sldLayoutId id="2147483683" r:id="rId14"/>
+    <p:sldLayoutId id="2147483686" r:id="rId5"/>
+    <p:sldLayoutId id="2147483687" r:id="rId6"/>
+    <p:sldLayoutId id="2147483684" r:id="rId7"/>
+    <p:sldLayoutId id="2147483685" r:id="rId8"/>
+    <p:sldLayoutId id="2147483664" r:id="rId9"/>
+    <p:sldLayoutId id="2147483678" r:id="rId10"/>
+    <p:sldLayoutId id="2147483665" r:id="rId11"/>
+    <p:sldLayoutId id="2147483679" r:id="rId12"/>
+    <p:sldLayoutId id="2147483666" r:id="rId13"/>
+    <p:sldLayoutId id="2147483680" r:id="rId14"/>
+    <p:sldLayoutId id="2147483667" r:id="rId15"/>
+    <p:sldLayoutId id="2147483682" r:id="rId16"/>
+    <p:sldLayoutId id="2147483681" r:id="rId17"/>
+    <p:sldLayoutId id="2147483683" r:id="rId18"/>
   </p:sldLayoutIdLst>
   <p:txStyles>
     <p:titleStyle>
@@ -4234,7 +5360,7 @@
           <p:cNvPr id="2" name="Title 1">
             <a:extLst>
               <a:ext uri="{FF2B5EF4-FFF2-40B4-BE49-F238E27FC236}">
-                <a16:creationId xmlns:a16="http://schemas.microsoft.com/office/drawing/2014/main" id="{13279686-6314-CA1C-24B6-3491ECC2237B}"/>
+                <a16:creationId xmlns:a16="http://schemas.microsoft.com/office/drawing/2014/main" id="{2AE3F269-2153-C469-18D5-18BB303C590B}"/>
               </a:ext>
             </a:extLst>
           </p:cNvPr>
@@ -4259,7 +5385,7 @@
           <p:cNvPr id="3" name="Subtitle 2">
             <a:extLst>
               <a:ext uri="{FF2B5EF4-FFF2-40B4-BE49-F238E27FC236}">
-                <a16:creationId xmlns:a16="http://schemas.microsoft.com/office/drawing/2014/main" id="{264F7477-D6E0-4493-0860-20A88A2307A1}"/>
+                <a16:creationId xmlns:a16="http://schemas.microsoft.com/office/drawing/2014/main" id="{3005D91D-CC55-4BDD-3582-D52420928447}"/>
               </a:ext>
             </a:extLst>
           </p:cNvPr>
@@ -4284,7 +5410,7 @@
           <p:cNvPr id="4" name="Picture Placeholder 3">
             <a:extLst>
               <a:ext uri="{FF2B5EF4-FFF2-40B4-BE49-F238E27FC236}">
-                <a16:creationId xmlns:a16="http://schemas.microsoft.com/office/drawing/2014/main" id="{B1C9D8EF-B186-7DCC-3D39-E49FD4BA035D}"/>
+                <a16:creationId xmlns:a16="http://schemas.microsoft.com/office/drawing/2014/main" id="{F2347EE7-52ED-3934-B54B-1D833DCF4EC2}"/>
               </a:ext>
             </a:extLst>
           </p:cNvPr>
@@ -4300,142 +5426,7 @@
     </p:spTree>
     <p:extLst>
       <p:ext uri="{BB962C8B-B14F-4D97-AF65-F5344CB8AC3E}">
-        <p14:creationId xmlns:p14="http://schemas.microsoft.com/office/powerpoint/2010/main" val="2131019316"/>
-      </p:ext>
-    </p:extLst>
-  </p:cSld>
-  <p:clrMapOvr>
-    <a:masterClrMapping/>
-  </p:clrMapOvr>
-</p:sld>
-</file>
-
-<file path=ppt/slides/slide2.xml><?xml version="1.0" encoding="utf-8"?>
-<p:sld xmlns:a="http://schemas.openxmlformats.org/drawingml/2006/main" xmlns:r="http://schemas.openxmlformats.org/officeDocument/2006/relationships" xmlns:p="http://schemas.openxmlformats.org/presentationml/2006/main">
-  <p:cSld>
-    <p:spTree>
-      <p:nvGrpSpPr>
-        <p:cNvPr id="1" name=""/>
-        <p:cNvGrpSpPr/>
-        <p:nvPr/>
-      </p:nvGrpSpPr>
-      <p:grpSpPr>
-        <a:xfrm>
-          <a:off x="0" y="0"/>
-          <a:ext cx="0" cy="0"/>
-          <a:chOff x="0" y="0"/>
-          <a:chExt cx="0" cy="0"/>
-        </a:xfrm>
-      </p:grpSpPr>
-      <p:sp>
-        <p:nvSpPr>
-          <p:cNvPr id="2" name="Content Placeholder 1">
-            <a:extLst>
-              <a:ext uri="{FF2B5EF4-FFF2-40B4-BE49-F238E27FC236}">
-                <a16:creationId xmlns:a16="http://schemas.microsoft.com/office/drawing/2014/main" id="{371941FC-DA45-D85C-D357-2E20CDC30B89}"/>
-              </a:ext>
-            </a:extLst>
-          </p:cNvPr>
-          <p:cNvSpPr>
-            <a:spLocks noGrp="1"/>
-          </p:cNvSpPr>
-          <p:nvPr>
-            <p:ph idx="1"/>
-          </p:nvPr>
-        </p:nvSpPr>
-        <p:spPr/>
-        <p:txBody>
-          <a:bodyPr/>
-          <a:lstStyle/>
-          <a:p>
-            <a:endParaRPr lang="en-US"/>
-          </a:p>
-        </p:txBody>
-      </p:sp>
-      <p:sp>
-        <p:nvSpPr>
-          <p:cNvPr id="3" name="Title 2">
-            <a:extLst>
-              <a:ext uri="{FF2B5EF4-FFF2-40B4-BE49-F238E27FC236}">
-                <a16:creationId xmlns:a16="http://schemas.microsoft.com/office/drawing/2014/main" id="{F827BA64-1DC0-9A73-F006-35CF05BBEF02}"/>
-              </a:ext>
-            </a:extLst>
-          </p:cNvPr>
-          <p:cNvSpPr>
-            <a:spLocks noGrp="1"/>
-          </p:cNvSpPr>
-          <p:nvPr>
-            <p:ph type="title"/>
-          </p:nvPr>
-        </p:nvSpPr>
-        <p:spPr/>
-        <p:txBody>
-          <a:bodyPr/>
-          <a:lstStyle/>
-          <a:p>
-            <a:endParaRPr lang="en-US"/>
-          </a:p>
-        </p:txBody>
-      </p:sp>
-    </p:spTree>
-    <p:extLst>
-      <p:ext uri="{BB962C8B-B14F-4D97-AF65-F5344CB8AC3E}">
-        <p14:creationId xmlns:p14="http://schemas.microsoft.com/office/powerpoint/2010/main" val="2005446215"/>
-      </p:ext>
-    </p:extLst>
-  </p:cSld>
-  <p:clrMapOvr>
-    <a:masterClrMapping/>
-  </p:clrMapOvr>
-</p:sld>
-</file>
-
-<file path=ppt/slides/slide3.xml><?xml version="1.0" encoding="utf-8"?>
-<p:sld xmlns:a="http://schemas.openxmlformats.org/drawingml/2006/main" xmlns:r="http://schemas.openxmlformats.org/officeDocument/2006/relationships" xmlns:p="http://schemas.openxmlformats.org/presentationml/2006/main">
-  <p:cSld>
-    <p:spTree>
-      <p:nvGrpSpPr>
-        <p:cNvPr id="1" name=""/>
-        <p:cNvGrpSpPr/>
-        <p:nvPr/>
-      </p:nvGrpSpPr>
-      <p:grpSpPr>
-        <a:xfrm>
-          <a:off x="0" y="0"/>
-          <a:ext cx="0" cy="0"/>
-          <a:chOff x="0" y="0"/>
-          <a:chExt cx="0" cy="0"/>
-        </a:xfrm>
-      </p:grpSpPr>
-      <p:sp>
-        <p:nvSpPr>
-          <p:cNvPr id="2" name="Title 1">
-            <a:extLst>
-              <a:ext uri="{FF2B5EF4-FFF2-40B4-BE49-F238E27FC236}">
-                <a16:creationId xmlns:a16="http://schemas.microsoft.com/office/drawing/2014/main" id="{9ADD8CBD-50E5-9024-70D1-C89A53398996}"/>
-              </a:ext>
-            </a:extLst>
-          </p:cNvPr>
-          <p:cNvSpPr>
-            <a:spLocks noGrp="1"/>
-          </p:cNvSpPr>
-          <p:nvPr>
-            <p:ph type="ctrTitle"/>
-          </p:nvPr>
-        </p:nvSpPr>
-        <p:spPr/>
-        <p:txBody>
-          <a:bodyPr/>
-          <a:lstStyle/>
-          <a:p>
-            <a:endParaRPr lang="en-US"/>
-          </a:p>
-        </p:txBody>
-      </p:sp>
-    </p:spTree>
-    <p:extLst>
-      <p:ext uri="{BB962C8B-B14F-4D97-AF65-F5344CB8AC3E}">
-        <p14:creationId xmlns:p14="http://schemas.microsoft.com/office/powerpoint/2010/main" val="3595487278"/>
+        <p14:creationId xmlns:p14="http://schemas.microsoft.com/office/powerpoint/2010/main" val="413245398"/>
       </p:ext>
     </p:extLst>
   </p:cSld>
@@ -4700,7 +5691,7 @@
   <a:extraClrSchemeLst/>
   <a:extLst>
     <a:ext uri="{05A4C25C-085E-4340-85A3-A5531E510DB2}">
-      <thm15:themeFamily xmlns:thm15="http://schemas.microsoft.com/office/thememl/2012/main" name="sahajcode-template" id="{729BEBD8-B2B2-9940-965E-6BF700AA54E0}" vid="{C8AD55D5-0FFB-6C46-B2B8-25F125E4B617}"/>
+      <thm15:themeFamily xmlns:thm15="http://schemas.microsoft.com/office/thememl/2012/main" name="23-4-keepalived" id="{FA495DF5-23B6-2248-9F2B-D18F0DB0C778}" vid="{BD1FA4D3-06AE-F545-9A57-41F27DAC5FCE}"/>
     </a:ext>
   </a:extLst>
 </a:theme>
